--- a/키워드별 실시간 웹크롤링 및 단문글쓰기.pptx
+++ b/키워드별 실시간 웹크롤링 및 단문글쓰기.pptx
@@ -5,10 +5,10 @@
     <p:sldMasterId id="2147483648" r:id="rId1"/>
   </p:sldMasterIdLst>
   <p:notesMasterIdLst>
-    <p:notesMasterId r:id="rId11"/>
+    <p:notesMasterId r:id="rId12"/>
   </p:notesMasterIdLst>
   <p:handoutMasterIdLst>
-    <p:handoutMasterId r:id="rId12"/>
+    <p:handoutMasterId r:id="rId13"/>
   </p:handoutMasterIdLst>
   <p:sldIdLst>
     <p:sldId id="274" r:id="rId2"/>
@@ -20,6 +20,7 @@
     <p:sldId id="297" r:id="rId8"/>
     <p:sldId id="300" r:id="rId9"/>
     <p:sldId id="298" r:id="rId10"/>
+    <p:sldId id="301" r:id="rId11"/>
   </p:sldIdLst>
   <p:sldSz cx="12192000" cy="6858000"/>
   <p:notesSz cx="6797675" cy="9926638"/>
@@ -211,7 +212,7 @@
           <a:p>
             <a:fld id="{89591EC3-1394-40F3-BF79-7F8705E68C98}" type="datetimeFigureOut">
               <a:rPr lang="ko-KR" altLang="en-US" smtClean="0"/>
-              <a:t>2020-11-15</a:t>
+              <a:t>2020-11-19</a:t>
             </a:fld>
             <a:endParaRPr lang="ko-KR" altLang="en-US" dirty="0"/>
           </a:p>
@@ -376,7 +377,7 @@
           <a:p>
             <a:fld id="{751D661D-A8C0-4FFE-83F7-98BA8E7A8579}" type="datetimeFigureOut">
               <a:rPr lang="ko-KR" altLang="en-US" smtClean="0"/>
-              <a:t>2020-11-15</a:t>
+              <a:t>2020-11-19</a:t>
             </a:fld>
             <a:endParaRPr lang="ko-KR" altLang="en-US" dirty="0"/>
           </a:p>
@@ -714,12 +715,8 @@
               <a:t>, </a:t>
             </a:r>
             <a:r>
-              <a:rPr lang="ko-KR" altLang="en-US" dirty="0" err="1" smtClean="0"/>
-              <a:t>주니스에이아이</a:t>
-            </a:r>
-            <a:r>
               <a:rPr lang="ko-KR" altLang="en-US" dirty="0" smtClean="0"/>
-              <a:t> 이준규입니다</a:t>
+              <a:t>주니스에이아이 이준규입니다</a:t>
             </a:r>
             <a:r>
               <a:rPr lang="en-US" altLang="ko-KR" dirty="0" smtClean="0"/>
@@ -836,6 +833,453 @@
     <p:extLst>
       <p:ext uri="{BB962C8B-B14F-4D97-AF65-F5344CB8AC3E}">
         <p14:creationId xmlns:p14="http://schemas.microsoft.com/office/powerpoint/2010/main" val="2524395306"/>
+      </p:ext>
+    </p:extLst>
+  </p:cSld>
+  <p:clrMapOvr>
+    <a:masterClrMapping/>
+  </p:clrMapOvr>
+</p:notes>
+</file>
+
+<file path=ppt/notesSlides/notesSlide10.xml><?xml version="1.0" encoding="utf-8"?>
+<p:notes xmlns:a="http://schemas.openxmlformats.org/drawingml/2006/main" xmlns:r="http://schemas.openxmlformats.org/officeDocument/2006/relationships" xmlns:p="http://schemas.openxmlformats.org/presentationml/2006/main">
+  <p:cSld>
+    <p:spTree>
+      <p:nvGrpSpPr>
+        <p:cNvPr id="1" name=""/>
+        <p:cNvGrpSpPr/>
+        <p:nvPr/>
+      </p:nvGrpSpPr>
+      <p:grpSpPr>
+        <a:xfrm>
+          <a:off x="0" y="0"/>
+          <a:ext cx="0" cy="0"/>
+          <a:chOff x="0" y="0"/>
+          <a:chExt cx="0" cy="0"/>
+        </a:xfrm>
+      </p:grpSpPr>
+      <p:sp>
+        <p:nvSpPr>
+          <p:cNvPr id="2" name="슬라이드 이미지 개체 틀 1"/>
+          <p:cNvSpPr>
+            <a:spLocks noGrp="1" noRot="1" noChangeAspect="1"/>
+          </p:cNvSpPr>
+          <p:nvPr>
+            <p:ph type="sldImg"/>
+          </p:nvPr>
+        </p:nvSpPr>
+        <p:spPr/>
+      </p:sp>
+      <p:sp>
+        <p:nvSpPr>
+          <p:cNvPr id="3" name="슬라이드 노트 개체 틀 2"/>
+          <p:cNvSpPr>
+            <a:spLocks noGrp="1"/>
+          </p:cNvSpPr>
+          <p:nvPr>
+            <p:ph type="body" idx="1"/>
+          </p:nvPr>
+        </p:nvSpPr>
+        <p:spPr/>
+        <p:txBody>
+          <a:bodyPr/>
+          <a:lstStyle/>
+          <a:p>
+            <a:endParaRPr lang="en-US" altLang="ko-KR" dirty="0" smtClean="0"/>
+          </a:p>
+          <a:p>
+            <a:r>
+              <a:rPr lang="en-US" altLang="ko-KR" dirty="0" smtClean="0"/>
+              <a:t>AI</a:t>
+            </a:r>
+            <a:r>
+              <a:rPr lang="ko-KR" altLang="en-US" dirty="0" smtClean="0"/>
+              <a:t>연구 하면 </a:t>
+            </a:r>
+            <a:r>
+              <a:rPr lang="en-US" altLang="ko-KR" dirty="0" smtClean="0"/>
+              <a:t>‘</a:t>
+            </a:r>
+            <a:r>
+              <a:rPr lang="ko-KR" altLang="en-US" dirty="0" smtClean="0"/>
+              <a:t>데이터가 있어야 뭘 하지</a:t>
+            </a:r>
+            <a:r>
+              <a:rPr lang="en-US" altLang="ko-KR" dirty="0" smtClean="0"/>
+              <a:t>.’  ‘</a:t>
+            </a:r>
+            <a:r>
+              <a:rPr lang="ko-KR" altLang="en-US" dirty="0" smtClean="0"/>
+              <a:t>돈이 되는 아이템을 내가 만들어야 하는 거 아냐</a:t>
+            </a:r>
+            <a:r>
+              <a:rPr lang="en-US" altLang="ko-KR" dirty="0" smtClean="0"/>
+              <a:t>?’, ‘</a:t>
+            </a:r>
+            <a:r>
+              <a:rPr lang="ko-KR" altLang="en-US" dirty="0" smtClean="0"/>
+              <a:t>투자 아니면 회사차려야 하는거 아냐</a:t>
+            </a:r>
+            <a:r>
+              <a:rPr lang="en-US" altLang="ko-KR" dirty="0" smtClean="0"/>
+              <a:t>?’ </a:t>
+            </a:r>
+          </a:p>
+          <a:p>
+            <a:endParaRPr lang="en-US" altLang="ko-KR" dirty="0" smtClean="0"/>
+          </a:p>
+          <a:p>
+            <a:r>
+              <a:rPr lang="ko-KR" altLang="en-US" dirty="0" smtClean="0"/>
+              <a:t>연구과제</a:t>
+            </a:r>
+            <a:endParaRPr lang="en-US" altLang="ko-KR" dirty="0" smtClean="0"/>
+          </a:p>
+          <a:p>
+            <a:r>
+              <a:rPr lang="en-US" altLang="ko-KR" dirty="0" smtClean="0"/>
+              <a:t>    - </a:t>
+            </a:r>
+            <a:r>
+              <a:rPr lang="ko-KR" altLang="en-US" dirty="0" smtClean="0"/>
+              <a:t>아산병원</a:t>
+            </a:r>
+            <a:r>
+              <a:rPr lang="en-US" altLang="ko-KR" dirty="0" smtClean="0"/>
+              <a:t>: Brain Tumor in MRI DSC</a:t>
+            </a:r>
+            <a:r>
+              <a:rPr lang="en-US" altLang="ko-KR" baseline="0" dirty="0" smtClean="0"/>
+              <a:t> Image -&gt; Signal Analysis</a:t>
+            </a:r>
+          </a:p>
+          <a:p>
+            <a:r>
+              <a:rPr lang="en-US" altLang="ko-KR" baseline="0" dirty="0" smtClean="0"/>
+              <a:t>    - ECG classification (Arrythmia: </a:t>
+            </a:r>
+            <a:r>
+              <a:rPr lang="ko-KR" altLang="en-US" baseline="0" dirty="0" smtClean="0"/>
+              <a:t>부정맥</a:t>
+            </a:r>
+            <a:r>
+              <a:rPr lang="en-US" altLang="ko-KR" baseline="0" dirty="0" smtClean="0"/>
+              <a:t>), Vital Signal </a:t>
+            </a:r>
+            <a:r>
+              <a:rPr lang="ko-KR" altLang="en-US" baseline="0" dirty="0" smtClean="0"/>
+              <a:t>연구</a:t>
+            </a:r>
+            <a:endParaRPr lang="en-US" altLang="ko-KR" baseline="0" dirty="0" smtClean="0"/>
+          </a:p>
+          <a:p>
+            <a:r>
+              <a:rPr lang="en-US" altLang="ko-KR" baseline="0" dirty="0" smtClean="0"/>
+              <a:t>    - Chest X-ray </a:t>
+            </a:r>
+            <a:r>
+              <a:rPr lang="ko-KR" altLang="en-US" baseline="0" dirty="0" smtClean="0"/>
+              <a:t>연구 등</a:t>
+            </a:r>
+            <a:endParaRPr lang="en-US" altLang="ko-KR" baseline="0" dirty="0" smtClean="0"/>
+          </a:p>
+          <a:p>
+            <a:r>
+              <a:rPr lang="en-US" altLang="ko-KR" baseline="0" dirty="0" smtClean="0"/>
+              <a:t>    - </a:t>
+            </a:r>
+            <a:r>
+              <a:rPr lang="ko-KR" altLang="en-US" baseline="0" dirty="0" smtClean="0"/>
+              <a:t>각 교수님마다 매년 국가과제든</a:t>
+            </a:r>
+            <a:r>
+              <a:rPr lang="en-US" altLang="ko-KR" baseline="0" dirty="0" smtClean="0"/>
+              <a:t>, </a:t>
+            </a:r>
+            <a:r>
+              <a:rPr lang="ko-KR" altLang="en-US" baseline="0" dirty="0" smtClean="0"/>
+              <a:t>내부과제든 따셔야 하는데</a:t>
+            </a:r>
+            <a:r>
+              <a:rPr lang="en-US" altLang="ko-KR" baseline="0" dirty="0" smtClean="0"/>
+              <a:t>… </a:t>
+            </a:r>
+            <a:r>
+              <a:rPr lang="ko-KR" altLang="en-US" baseline="0" dirty="0" smtClean="0"/>
+              <a:t>따도 그 연구를 실행할 인력이 필요합니다</a:t>
+            </a:r>
+            <a:r>
+              <a:rPr lang="en-US" altLang="ko-KR" baseline="0" dirty="0" smtClean="0"/>
+              <a:t>.</a:t>
+            </a:r>
+          </a:p>
+          <a:p>
+            <a:endParaRPr lang="en-US" altLang="ko-KR" baseline="0" dirty="0" smtClean="0"/>
+          </a:p>
+          <a:p>
+            <a:endParaRPr lang="en-US" altLang="ko-KR" baseline="0" dirty="0" smtClean="0"/>
+          </a:p>
+          <a:p>
+            <a:r>
+              <a:rPr lang="ko-KR" altLang="en-US" baseline="0" dirty="0" smtClean="0"/>
+              <a:t>인력이 필요한 단순업무들</a:t>
+            </a:r>
+            <a:endParaRPr lang="en-US" altLang="ko-KR" baseline="0" dirty="0" smtClean="0"/>
+          </a:p>
+          <a:p>
+            <a:r>
+              <a:rPr lang="en-US" altLang="ko-KR" baseline="0" dirty="0" smtClean="0"/>
+              <a:t>    - </a:t>
+            </a:r>
+            <a:r>
+              <a:rPr lang="ko-KR" altLang="en-US" baseline="0" dirty="0" smtClean="0"/>
+              <a:t>사고차량 처리 프로세스</a:t>
+            </a:r>
+            <a:endParaRPr lang="en-US" altLang="ko-KR" baseline="0" dirty="0" smtClean="0"/>
+          </a:p>
+          <a:p>
+            <a:r>
+              <a:rPr lang="en-US" altLang="ko-KR" baseline="0" dirty="0" smtClean="0"/>
+              <a:t>    - </a:t>
+            </a:r>
+            <a:r>
+              <a:rPr lang="ko-KR" altLang="en-US" baseline="0" dirty="0" smtClean="0"/>
+              <a:t>메뉴판 인식 </a:t>
+            </a:r>
+            <a:r>
+              <a:rPr lang="en-US" altLang="ko-KR" baseline="0" dirty="0" smtClean="0"/>
+              <a:t>(</a:t>
+            </a:r>
+            <a:r>
+              <a:rPr lang="ko-KR" altLang="en-US" baseline="0" dirty="0" smtClean="0"/>
+              <a:t>배달앱 </a:t>
+            </a:r>
+            <a:r>
+              <a:rPr lang="en-US" altLang="ko-KR" baseline="0" dirty="0" smtClean="0"/>
+              <a:t>DB</a:t>
+            </a:r>
+            <a:r>
+              <a:rPr lang="ko-KR" altLang="en-US" baseline="0" dirty="0" smtClean="0"/>
+              <a:t>구축</a:t>
+            </a:r>
+            <a:r>
+              <a:rPr lang="en-US" altLang="ko-KR" baseline="0" dirty="0" smtClean="0"/>
+              <a:t>)</a:t>
+            </a:r>
+          </a:p>
+          <a:p>
+            <a:endParaRPr lang="en-US" altLang="ko-KR" baseline="0" dirty="0" smtClean="0"/>
+          </a:p>
+          <a:p>
+            <a:endParaRPr lang="en-US" altLang="ko-KR" baseline="0" dirty="0" smtClean="0"/>
+          </a:p>
+          <a:p>
+            <a:r>
+              <a:rPr lang="ko-KR" altLang="en-US" baseline="0" dirty="0" smtClean="0"/>
+              <a:t>스타트업 아이템</a:t>
+            </a:r>
+            <a:endParaRPr lang="en-US" altLang="ko-KR" baseline="0" dirty="0" smtClean="0"/>
+          </a:p>
+          <a:p>
+            <a:r>
+              <a:rPr lang="en-US" altLang="ko-KR" baseline="0" dirty="0" smtClean="0"/>
+              <a:t>    - </a:t>
+            </a:r>
+            <a:r>
+              <a:rPr lang="ko-KR" altLang="en-US" baseline="0" dirty="0" smtClean="0"/>
+              <a:t>음악 </a:t>
+            </a:r>
+            <a:r>
+              <a:rPr lang="en-US" altLang="ko-KR" baseline="0" dirty="0" smtClean="0"/>
+              <a:t>Mastering</a:t>
+            </a:r>
+          </a:p>
+          <a:p>
+            <a:r>
+              <a:rPr lang="en-US" altLang="ko-KR" baseline="0" dirty="0" smtClean="0"/>
+              <a:t>    - Beat Extraction</a:t>
+            </a:r>
+          </a:p>
+          <a:p>
+            <a:r>
+              <a:rPr lang="en-US" altLang="ko-KR" baseline="0" dirty="0" smtClean="0"/>
+              <a:t>    - 3D shoes</a:t>
+            </a:r>
+          </a:p>
+          <a:p>
+            <a:endParaRPr lang="en-US" altLang="ko-KR" baseline="0" dirty="0" smtClean="0"/>
+          </a:p>
+          <a:p>
+            <a:endParaRPr lang="en-US" altLang="ko-KR" baseline="0" dirty="0" smtClean="0"/>
+          </a:p>
+          <a:p>
+            <a:r>
+              <a:rPr lang="ko-KR" altLang="en-US" baseline="0" dirty="0" smtClean="0"/>
+              <a:t>다양한 사업자들</a:t>
+            </a:r>
+            <a:r>
+              <a:rPr lang="en-US" altLang="ko-KR" baseline="0" dirty="0" smtClean="0"/>
+              <a:t>, </a:t>
+            </a:r>
+            <a:r>
+              <a:rPr lang="ko-KR" altLang="en-US" baseline="0" dirty="0" smtClean="0"/>
+              <a:t>다양한 생각들</a:t>
+            </a:r>
+            <a:endParaRPr lang="en-US" altLang="ko-KR" baseline="0" dirty="0" smtClean="0"/>
+          </a:p>
+          <a:p>
+            <a:r>
+              <a:rPr lang="en-US" altLang="ko-KR" baseline="0" dirty="0" smtClean="0"/>
+              <a:t>    - AI Blogger</a:t>
+            </a:r>
+          </a:p>
+          <a:p>
+            <a:r>
+              <a:rPr lang="en-US" altLang="ko-KR" baseline="0" dirty="0" smtClean="0"/>
+              <a:t>    - </a:t>
+            </a:r>
+            <a:r>
+              <a:rPr lang="ko-KR" altLang="en-US" baseline="0" dirty="0" smtClean="0"/>
+              <a:t>쇼핑몰 광고</a:t>
+            </a:r>
+            <a:r>
+              <a:rPr lang="en-US" altLang="ko-KR" baseline="0" dirty="0" smtClean="0"/>
+              <a:t>: Captcha </a:t>
+            </a:r>
+            <a:r>
+              <a:rPr lang="ko-KR" altLang="en-US" baseline="0" dirty="0" smtClean="0"/>
+              <a:t>읽기 </a:t>
+            </a:r>
+            <a:r>
+              <a:rPr lang="en-US" altLang="ko-KR" baseline="0" dirty="0" smtClean="0"/>
+              <a:t>+ Macro</a:t>
+            </a:r>
+          </a:p>
+          <a:p>
+            <a:r>
+              <a:rPr lang="en-US" altLang="ko-KR" baseline="0" dirty="0" smtClean="0"/>
+              <a:t>    - Review</a:t>
+            </a:r>
+            <a:r>
+              <a:rPr lang="ko-KR" altLang="en-US" baseline="0" dirty="0" smtClean="0"/>
+              <a:t>감정분석</a:t>
+            </a:r>
+            <a:r>
+              <a:rPr lang="en-US" altLang="ko-KR" baseline="0" dirty="0" smtClean="0"/>
+              <a:t>, </a:t>
+            </a:r>
+          </a:p>
+          <a:p>
+            <a:r>
+              <a:rPr lang="en-US" altLang="ko-KR" baseline="0" dirty="0" smtClean="0"/>
+              <a:t>    - </a:t>
+            </a:r>
+            <a:r>
+              <a:rPr lang="ko-KR" altLang="en-US" baseline="0" dirty="0" smtClean="0"/>
+              <a:t>동대문 의류재료상</a:t>
+            </a:r>
+            <a:endParaRPr lang="en-US" altLang="ko-KR" baseline="0" dirty="0" smtClean="0"/>
+          </a:p>
+          <a:p>
+            <a:r>
+              <a:rPr lang="en-US" altLang="ko-KR" baseline="0" dirty="0" smtClean="0"/>
+              <a:t>    - </a:t>
+            </a:r>
+            <a:r>
+              <a:rPr lang="ko-KR" altLang="en-US" baseline="0" dirty="0" smtClean="0"/>
+              <a:t>변호사 사무실</a:t>
+            </a:r>
+            <a:endParaRPr lang="en-US" altLang="ko-KR" baseline="0" dirty="0" smtClean="0"/>
+          </a:p>
+          <a:p>
+            <a:endParaRPr lang="en-US" altLang="ko-KR" baseline="0" dirty="0" smtClean="0"/>
+          </a:p>
+          <a:p>
+            <a:endParaRPr lang="en-US" altLang="ko-KR" baseline="0" dirty="0" smtClean="0"/>
+          </a:p>
+          <a:p>
+            <a:r>
+              <a:rPr lang="ko-KR" altLang="en-US" baseline="0" dirty="0" smtClean="0"/>
+              <a:t>예술로 </a:t>
+            </a:r>
+            <a:r>
+              <a:rPr lang="en-US" altLang="ko-KR" baseline="0" dirty="0" smtClean="0"/>
+              <a:t>AI</a:t>
+            </a:r>
+            <a:r>
+              <a:rPr lang="ko-KR" altLang="en-US" baseline="0" dirty="0" smtClean="0"/>
+              <a:t>가 필수</a:t>
+            </a:r>
+            <a:r>
+              <a:rPr lang="en-US" altLang="ko-KR" baseline="0" dirty="0" smtClean="0"/>
+              <a:t>?</a:t>
+            </a:r>
+            <a:endParaRPr lang="en-US" altLang="ko-KR" dirty="0" smtClean="0"/>
+          </a:p>
+          <a:p>
+            <a:r>
+              <a:rPr lang="en-US" altLang="ko-KR" dirty="0" smtClean="0"/>
+              <a:t>    - </a:t>
+            </a:r>
+            <a:r>
+              <a:rPr lang="ko-KR" altLang="en-US" dirty="0" smtClean="0"/>
+              <a:t>예술분야 과제에 </a:t>
+            </a:r>
+            <a:r>
+              <a:rPr lang="en-US" altLang="ko-KR" dirty="0" smtClean="0"/>
+              <a:t>AI</a:t>
+            </a:r>
+            <a:r>
+              <a:rPr lang="ko-KR" altLang="en-US" dirty="0" smtClean="0"/>
+              <a:t>전문가</a:t>
+            </a:r>
+            <a:r>
+              <a:rPr lang="ko-KR" altLang="en-US" baseline="0" dirty="0" smtClean="0"/>
+              <a:t> </a:t>
+            </a:r>
+            <a:r>
+              <a:rPr lang="en-US" altLang="ko-KR" baseline="0" dirty="0" smtClean="0"/>
+              <a:t>1</a:t>
+            </a:r>
+            <a:r>
+              <a:rPr lang="ko-KR" altLang="en-US" baseline="0" dirty="0" smtClean="0"/>
+              <a:t>명이상 참여가 필수</a:t>
+            </a:r>
+            <a:endParaRPr lang="en-US" altLang="ko-KR" baseline="0" dirty="0" smtClean="0"/>
+          </a:p>
+          <a:p>
+            <a:endParaRPr lang="ko-KR" altLang="en-US" dirty="0"/>
+          </a:p>
+        </p:txBody>
+      </p:sp>
+      <p:sp>
+        <p:nvSpPr>
+          <p:cNvPr id="4" name="슬라이드 번호 개체 틀 3"/>
+          <p:cNvSpPr>
+            <a:spLocks noGrp="1"/>
+          </p:cNvSpPr>
+          <p:nvPr>
+            <p:ph type="sldNum" sz="quarter" idx="10"/>
+          </p:nvPr>
+        </p:nvSpPr>
+        <p:spPr/>
+        <p:txBody>
+          <a:bodyPr/>
+          <a:lstStyle/>
+          <a:p>
+            <a:fld id="{B96F2D95-B4DD-44A7-88DD-79B38E16DC10}" type="slidenum">
+              <a:rPr lang="ko-KR" altLang="en-US" smtClean="0"/>
+              <a:t>10</a:t>
+            </a:fld>
+            <a:endParaRPr lang="ko-KR" altLang="en-US" dirty="0"/>
+          </a:p>
+        </p:txBody>
+      </p:sp>
+    </p:spTree>
+    <p:extLst>
+      <p:ext uri="{BB962C8B-B14F-4D97-AF65-F5344CB8AC3E}">
+        <p14:creationId xmlns:p14="http://schemas.microsoft.com/office/powerpoint/2010/main" val="2784423598"/>
       </p:ext>
     </p:extLst>
   </p:cSld>
@@ -922,23 +1366,7 @@
             </a:r>
             <a:r>
               <a:rPr lang="ko-KR" altLang="en-US" dirty="0" smtClean="0"/>
-              <a:t>투자 아니면 </a:t>
-            </a:r>
-            <a:r>
-              <a:rPr lang="ko-KR" altLang="en-US" dirty="0" err="1" smtClean="0"/>
-              <a:t>회사차려야</a:t>
-            </a:r>
-            <a:r>
-              <a:rPr lang="ko-KR" altLang="en-US" dirty="0" smtClean="0"/>
-              <a:t> </a:t>
-            </a:r>
-            <a:r>
-              <a:rPr lang="ko-KR" altLang="en-US" dirty="0" err="1" smtClean="0"/>
-              <a:t>하는거</a:t>
-            </a:r>
-            <a:r>
-              <a:rPr lang="ko-KR" altLang="en-US" dirty="0" smtClean="0"/>
-              <a:t> 아냐</a:t>
+              <a:t>투자 아니면 회사차려야 하는거 아냐</a:t>
             </a:r>
             <a:r>
               <a:rPr lang="en-US" altLang="ko-KR" dirty="0" smtClean="0"/>
@@ -976,15 +1404,7 @@
           <a:p>
             <a:r>
               <a:rPr lang="en-US" altLang="ko-KR" baseline="0" dirty="0" smtClean="0"/>
-              <a:t>    - ECG classification (</a:t>
-            </a:r>
-            <a:r>
-              <a:rPr lang="en-US" altLang="ko-KR" baseline="0" dirty="0" err="1" smtClean="0"/>
-              <a:t>Arrythmia</a:t>
-            </a:r>
-            <a:r>
-              <a:rPr lang="en-US" altLang="ko-KR" baseline="0" dirty="0" smtClean="0"/>
-              <a:t>: </a:t>
+              <a:t>    - ECG classification (Arrythmia: </a:t>
             </a:r>
             <a:r>
               <a:rPr lang="ko-KR" altLang="en-US" baseline="0" dirty="0" smtClean="0"/>
@@ -1071,24 +1491,16 @@
               <a:t>    - </a:t>
             </a:r>
             <a:r>
-              <a:rPr lang="ko-KR" altLang="en-US" baseline="0" dirty="0" err="1" smtClean="0"/>
-              <a:t>메뉴판</a:t>
-            </a:r>
-            <a:r>
-              <a:rPr lang="ko-KR" altLang="en-US" baseline="0" dirty="0" smtClean="0"/>
-              <a:t> 인식 </a:t>
+              <a:rPr lang="ko-KR" altLang="en-US" baseline="0" dirty="0" smtClean="0"/>
+              <a:t>메뉴판 인식 </a:t>
             </a:r>
             <a:r>
               <a:rPr lang="en-US" altLang="ko-KR" baseline="0" dirty="0" smtClean="0"/>
               <a:t>(</a:t>
             </a:r>
             <a:r>
-              <a:rPr lang="ko-KR" altLang="en-US" baseline="0" dirty="0" err="1" smtClean="0"/>
-              <a:t>배달앱</a:t>
-            </a:r>
-            <a:r>
-              <a:rPr lang="ko-KR" altLang="en-US" baseline="0" dirty="0" smtClean="0"/>
-              <a:t> </a:t>
+              <a:rPr lang="ko-KR" altLang="en-US" baseline="0" dirty="0" smtClean="0"/>
+              <a:t>배달앱 </a:t>
             </a:r>
             <a:r>
               <a:rPr lang="en-US" altLang="ko-KR" baseline="0" dirty="0" smtClean="0"/>
@@ -1111,12 +1523,8 @@
           </a:p>
           <a:p>
             <a:r>
-              <a:rPr lang="ko-KR" altLang="en-US" baseline="0" dirty="0" err="1" smtClean="0"/>
-              <a:t>스타트업</a:t>
-            </a:r>
-            <a:r>
-              <a:rPr lang="ko-KR" altLang="en-US" baseline="0" dirty="0" smtClean="0"/>
-              <a:t> 아이템</a:t>
+              <a:rPr lang="ko-KR" altLang="en-US" baseline="0" dirty="0" smtClean="0"/>
+              <a:t>스타트업 아이템</a:t>
             </a:r>
             <a:endParaRPr lang="en-US" altLang="ko-KR" baseline="0" dirty="0" smtClean="0"/>
           </a:p>
@@ -1282,12 +1690,8 @@
               <a:t>1</a:t>
             </a:r>
             <a:r>
-              <a:rPr lang="ko-KR" altLang="en-US" baseline="0" dirty="0" err="1" smtClean="0"/>
-              <a:t>명이상</a:t>
-            </a:r>
-            <a:r>
-              <a:rPr lang="ko-KR" altLang="en-US" baseline="0" dirty="0" smtClean="0"/>
-              <a:t> 참여가 필수</a:t>
+              <a:rPr lang="ko-KR" altLang="en-US" baseline="0" dirty="0" smtClean="0"/>
+              <a:t>명이상 참여가 필수</a:t>
             </a:r>
             <a:endParaRPr lang="en-US" altLang="ko-KR" baseline="0" dirty="0" smtClean="0"/>
           </a:p>
@@ -1409,23 +1813,7 @@
             </a:r>
             <a:r>
               <a:rPr lang="ko-KR" altLang="en-US" dirty="0" smtClean="0"/>
-              <a:t>투자 아니면 </a:t>
-            </a:r>
-            <a:r>
-              <a:rPr lang="ko-KR" altLang="en-US" dirty="0" err="1" smtClean="0"/>
-              <a:t>회사차려야</a:t>
-            </a:r>
-            <a:r>
-              <a:rPr lang="ko-KR" altLang="en-US" dirty="0" smtClean="0"/>
-              <a:t> </a:t>
-            </a:r>
-            <a:r>
-              <a:rPr lang="ko-KR" altLang="en-US" dirty="0" err="1" smtClean="0"/>
-              <a:t>하는거</a:t>
-            </a:r>
-            <a:r>
-              <a:rPr lang="ko-KR" altLang="en-US" dirty="0" smtClean="0"/>
-              <a:t> 아냐</a:t>
+              <a:t>투자 아니면 회사차려야 하는거 아냐</a:t>
             </a:r>
             <a:r>
               <a:rPr lang="en-US" altLang="ko-KR" dirty="0" smtClean="0"/>
@@ -1463,15 +1851,7 @@
           <a:p>
             <a:r>
               <a:rPr lang="en-US" altLang="ko-KR" baseline="0" dirty="0" smtClean="0"/>
-              <a:t>    - ECG classification (</a:t>
-            </a:r>
-            <a:r>
-              <a:rPr lang="en-US" altLang="ko-KR" baseline="0" dirty="0" err="1" smtClean="0"/>
-              <a:t>Arrythmia</a:t>
-            </a:r>
-            <a:r>
-              <a:rPr lang="en-US" altLang="ko-KR" baseline="0" dirty="0" smtClean="0"/>
-              <a:t>: </a:t>
+              <a:t>    - ECG classification (Arrythmia: </a:t>
             </a:r>
             <a:r>
               <a:rPr lang="ko-KR" altLang="en-US" baseline="0" dirty="0" smtClean="0"/>
@@ -1558,24 +1938,16 @@
               <a:t>    - </a:t>
             </a:r>
             <a:r>
-              <a:rPr lang="ko-KR" altLang="en-US" baseline="0" dirty="0" err="1" smtClean="0"/>
-              <a:t>메뉴판</a:t>
-            </a:r>
-            <a:r>
-              <a:rPr lang="ko-KR" altLang="en-US" baseline="0" dirty="0" smtClean="0"/>
-              <a:t> 인식 </a:t>
+              <a:rPr lang="ko-KR" altLang="en-US" baseline="0" dirty="0" smtClean="0"/>
+              <a:t>메뉴판 인식 </a:t>
             </a:r>
             <a:r>
               <a:rPr lang="en-US" altLang="ko-KR" baseline="0" dirty="0" smtClean="0"/>
               <a:t>(</a:t>
             </a:r>
             <a:r>
-              <a:rPr lang="ko-KR" altLang="en-US" baseline="0" dirty="0" err="1" smtClean="0"/>
-              <a:t>배달앱</a:t>
-            </a:r>
-            <a:r>
-              <a:rPr lang="ko-KR" altLang="en-US" baseline="0" dirty="0" smtClean="0"/>
-              <a:t> </a:t>
+              <a:rPr lang="ko-KR" altLang="en-US" baseline="0" dirty="0" smtClean="0"/>
+              <a:t>배달앱 </a:t>
             </a:r>
             <a:r>
               <a:rPr lang="en-US" altLang="ko-KR" baseline="0" dirty="0" smtClean="0"/>
@@ -1598,12 +1970,8 @@
           </a:p>
           <a:p>
             <a:r>
-              <a:rPr lang="ko-KR" altLang="en-US" baseline="0" dirty="0" err="1" smtClean="0"/>
-              <a:t>스타트업</a:t>
-            </a:r>
-            <a:r>
-              <a:rPr lang="ko-KR" altLang="en-US" baseline="0" dirty="0" smtClean="0"/>
-              <a:t> 아이템</a:t>
+              <a:rPr lang="ko-KR" altLang="en-US" baseline="0" dirty="0" smtClean="0"/>
+              <a:t>스타트업 아이템</a:t>
             </a:r>
             <a:endParaRPr lang="en-US" altLang="ko-KR" baseline="0" dirty="0" smtClean="0"/>
           </a:p>
@@ -1769,12 +2137,8 @@
               <a:t>1</a:t>
             </a:r>
             <a:r>
-              <a:rPr lang="ko-KR" altLang="en-US" baseline="0" dirty="0" err="1" smtClean="0"/>
-              <a:t>명이상</a:t>
-            </a:r>
-            <a:r>
-              <a:rPr lang="ko-KR" altLang="en-US" baseline="0" dirty="0" smtClean="0"/>
-              <a:t> 참여가 필수</a:t>
+              <a:rPr lang="ko-KR" altLang="en-US" baseline="0" dirty="0" smtClean="0"/>
+              <a:t>명이상 참여가 필수</a:t>
             </a:r>
             <a:endParaRPr lang="en-US" altLang="ko-KR" baseline="0" dirty="0" smtClean="0"/>
           </a:p>
@@ -1896,23 +2260,7 @@
             </a:r>
             <a:r>
               <a:rPr lang="ko-KR" altLang="en-US" dirty="0" smtClean="0"/>
-              <a:t>투자 아니면 </a:t>
-            </a:r>
-            <a:r>
-              <a:rPr lang="ko-KR" altLang="en-US" dirty="0" err="1" smtClean="0"/>
-              <a:t>회사차려야</a:t>
-            </a:r>
-            <a:r>
-              <a:rPr lang="ko-KR" altLang="en-US" dirty="0" smtClean="0"/>
-              <a:t> </a:t>
-            </a:r>
-            <a:r>
-              <a:rPr lang="ko-KR" altLang="en-US" dirty="0" err="1" smtClean="0"/>
-              <a:t>하는거</a:t>
-            </a:r>
-            <a:r>
-              <a:rPr lang="ko-KR" altLang="en-US" dirty="0" smtClean="0"/>
-              <a:t> 아냐</a:t>
+              <a:t>투자 아니면 회사차려야 하는거 아냐</a:t>
             </a:r>
             <a:r>
               <a:rPr lang="en-US" altLang="ko-KR" dirty="0" smtClean="0"/>
@@ -1950,15 +2298,7 @@
           <a:p>
             <a:r>
               <a:rPr lang="en-US" altLang="ko-KR" baseline="0" dirty="0" smtClean="0"/>
-              <a:t>    - ECG classification (</a:t>
-            </a:r>
-            <a:r>
-              <a:rPr lang="en-US" altLang="ko-KR" baseline="0" dirty="0" err="1" smtClean="0"/>
-              <a:t>Arrythmia</a:t>
-            </a:r>
-            <a:r>
-              <a:rPr lang="en-US" altLang="ko-KR" baseline="0" dirty="0" smtClean="0"/>
-              <a:t>: </a:t>
+              <a:t>    - ECG classification (Arrythmia: </a:t>
             </a:r>
             <a:r>
               <a:rPr lang="ko-KR" altLang="en-US" baseline="0" dirty="0" smtClean="0"/>
@@ -2045,24 +2385,16 @@
               <a:t>    - </a:t>
             </a:r>
             <a:r>
-              <a:rPr lang="ko-KR" altLang="en-US" baseline="0" dirty="0" err="1" smtClean="0"/>
-              <a:t>메뉴판</a:t>
-            </a:r>
-            <a:r>
-              <a:rPr lang="ko-KR" altLang="en-US" baseline="0" dirty="0" smtClean="0"/>
-              <a:t> 인식 </a:t>
+              <a:rPr lang="ko-KR" altLang="en-US" baseline="0" dirty="0" smtClean="0"/>
+              <a:t>메뉴판 인식 </a:t>
             </a:r>
             <a:r>
               <a:rPr lang="en-US" altLang="ko-KR" baseline="0" dirty="0" smtClean="0"/>
               <a:t>(</a:t>
             </a:r>
             <a:r>
-              <a:rPr lang="ko-KR" altLang="en-US" baseline="0" dirty="0" err="1" smtClean="0"/>
-              <a:t>배달앱</a:t>
-            </a:r>
-            <a:r>
-              <a:rPr lang="ko-KR" altLang="en-US" baseline="0" dirty="0" smtClean="0"/>
-              <a:t> </a:t>
+              <a:rPr lang="ko-KR" altLang="en-US" baseline="0" dirty="0" smtClean="0"/>
+              <a:t>배달앱 </a:t>
             </a:r>
             <a:r>
               <a:rPr lang="en-US" altLang="ko-KR" baseline="0" dirty="0" smtClean="0"/>
@@ -2085,12 +2417,8 @@
           </a:p>
           <a:p>
             <a:r>
-              <a:rPr lang="ko-KR" altLang="en-US" baseline="0" dirty="0" err="1" smtClean="0"/>
-              <a:t>스타트업</a:t>
-            </a:r>
-            <a:r>
-              <a:rPr lang="ko-KR" altLang="en-US" baseline="0" dirty="0" smtClean="0"/>
-              <a:t> 아이템</a:t>
+              <a:rPr lang="ko-KR" altLang="en-US" baseline="0" dirty="0" smtClean="0"/>
+              <a:t>스타트업 아이템</a:t>
             </a:r>
             <a:endParaRPr lang="en-US" altLang="ko-KR" baseline="0" dirty="0" smtClean="0"/>
           </a:p>
@@ -2256,12 +2584,8 @@
               <a:t>1</a:t>
             </a:r>
             <a:r>
-              <a:rPr lang="ko-KR" altLang="en-US" baseline="0" dirty="0" err="1" smtClean="0"/>
-              <a:t>명이상</a:t>
-            </a:r>
-            <a:r>
-              <a:rPr lang="ko-KR" altLang="en-US" baseline="0" dirty="0" smtClean="0"/>
-              <a:t> 참여가 필수</a:t>
+              <a:rPr lang="ko-KR" altLang="en-US" baseline="0" dirty="0" smtClean="0"/>
+              <a:t>명이상 참여가 필수</a:t>
             </a:r>
             <a:endParaRPr lang="en-US" altLang="ko-KR" baseline="0" dirty="0" smtClean="0"/>
           </a:p>
@@ -2383,23 +2707,7 @@
             </a:r>
             <a:r>
               <a:rPr lang="ko-KR" altLang="en-US" dirty="0" smtClean="0"/>
-              <a:t>투자 아니면 </a:t>
-            </a:r>
-            <a:r>
-              <a:rPr lang="ko-KR" altLang="en-US" dirty="0" err="1" smtClean="0"/>
-              <a:t>회사차려야</a:t>
-            </a:r>
-            <a:r>
-              <a:rPr lang="ko-KR" altLang="en-US" dirty="0" smtClean="0"/>
-              <a:t> </a:t>
-            </a:r>
-            <a:r>
-              <a:rPr lang="ko-KR" altLang="en-US" dirty="0" err="1" smtClean="0"/>
-              <a:t>하는거</a:t>
-            </a:r>
-            <a:r>
-              <a:rPr lang="ko-KR" altLang="en-US" dirty="0" smtClean="0"/>
-              <a:t> 아냐</a:t>
+              <a:t>투자 아니면 회사차려야 하는거 아냐</a:t>
             </a:r>
             <a:r>
               <a:rPr lang="en-US" altLang="ko-KR" dirty="0" smtClean="0"/>
@@ -2437,15 +2745,7 @@
           <a:p>
             <a:r>
               <a:rPr lang="en-US" altLang="ko-KR" baseline="0" dirty="0" smtClean="0"/>
-              <a:t>    - ECG classification (</a:t>
-            </a:r>
-            <a:r>
-              <a:rPr lang="en-US" altLang="ko-KR" baseline="0" dirty="0" err="1" smtClean="0"/>
-              <a:t>Arrythmia</a:t>
-            </a:r>
-            <a:r>
-              <a:rPr lang="en-US" altLang="ko-KR" baseline="0" dirty="0" smtClean="0"/>
-              <a:t>: </a:t>
+              <a:t>    - ECG classification (Arrythmia: </a:t>
             </a:r>
             <a:r>
               <a:rPr lang="ko-KR" altLang="en-US" baseline="0" dirty="0" smtClean="0"/>
@@ -2532,24 +2832,16 @@
               <a:t>    - </a:t>
             </a:r>
             <a:r>
-              <a:rPr lang="ko-KR" altLang="en-US" baseline="0" dirty="0" err="1" smtClean="0"/>
-              <a:t>메뉴판</a:t>
-            </a:r>
-            <a:r>
-              <a:rPr lang="ko-KR" altLang="en-US" baseline="0" dirty="0" smtClean="0"/>
-              <a:t> 인식 </a:t>
+              <a:rPr lang="ko-KR" altLang="en-US" baseline="0" dirty="0" smtClean="0"/>
+              <a:t>메뉴판 인식 </a:t>
             </a:r>
             <a:r>
               <a:rPr lang="en-US" altLang="ko-KR" baseline="0" dirty="0" smtClean="0"/>
               <a:t>(</a:t>
             </a:r>
             <a:r>
-              <a:rPr lang="ko-KR" altLang="en-US" baseline="0" dirty="0" err="1" smtClean="0"/>
-              <a:t>배달앱</a:t>
-            </a:r>
-            <a:r>
-              <a:rPr lang="ko-KR" altLang="en-US" baseline="0" dirty="0" smtClean="0"/>
-              <a:t> </a:t>
+              <a:rPr lang="ko-KR" altLang="en-US" baseline="0" dirty="0" smtClean="0"/>
+              <a:t>배달앱 </a:t>
             </a:r>
             <a:r>
               <a:rPr lang="en-US" altLang="ko-KR" baseline="0" dirty="0" smtClean="0"/>
@@ -2572,12 +2864,8 @@
           </a:p>
           <a:p>
             <a:r>
-              <a:rPr lang="ko-KR" altLang="en-US" baseline="0" dirty="0" err="1" smtClean="0"/>
-              <a:t>스타트업</a:t>
-            </a:r>
-            <a:r>
-              <a:rPr lang="ko-KR" altLang="en-US" baseline="0" dirty="0" smtClean="0"/>
-              <a:t> 아이템</a:t>
+              <a:rPr lang="ko-KR" altLang="en-US" baseline="0" dirty="0" smtClean="0"/>
+              <a:t>스타트업 아이템</a:t>
             </a:r>
             <a:endParaRPr lang="en-US" altLang="ko-KR" baseline="0" dirty="0" smtClean="0"/>
           </a:p>
@@ -2743,12 +3031,8 @@
               <a:t>1</a:t>
             </a:r>
             <a:r>
-              <a:rPr lang="ko-KR" altLang="en-US" baseline="0" dirty="0" err="1" smtClean="0"/>
-              <a:t>명이상</a:t>
-            </a:r>
-            <a:r>
-              <a:rPr lang="ko-KR" altLang="en-US" baseline="0" dirty="0" smtClean="0"/>
-              <a:t> 참여가 필수</a:t>
+              <a:rPr lang="ko-KR" altLang="en-US" baseline="0" dirty="0" smtClean="0"/>
+              <a:t>명이상 참여가 필수</a:t>
             </a:r>
             <a:endParaRPr lang="en-US" altLang="ko-KR" baseline="0" dirty="0" smtClean="0"/>
           </a:p>
@@ -2870,23 +3154,7 @@
             </a:r>
             <a:r>
               <a:rPr lang="ko-KR" altLang="en-US" dirty="0" smtClean="0"/>
-              <a:t>투자 아니면 </a:t>
-            </a:r>
-            <a:r>
-              <a:rPr lang="ko-KR" altLang="en-US" dirty="0" err="1" smtClean="0"/>
-              <a:t>회사차려야</a:t>
-            </a:r>
-            <a:r>
-              <a:rPr lang="ko-KR" altLang="en-US" dirty="0" smtClean="0"/>
-              <a:t> </a:t>
-            </a:r>
-            <a:r>
-              <a:rPr lang="ko-KR" altLang="en-US" dirty="0" err="1" smtClean="0"/>
-              <a:t>하는거</a:t>
-            </a:r>
-            <a:r>
-              <a:rPr lang="ko-KR" altLang="en-US" dirty="0" smtClean="0"/>
-              <a:t> 아냐</a:t>
+              <a:t>투자 아니면 회사차려야 하는거 아냐</a:t>
             </a:r>
             <a:r>
               <a:rPr lang="en-US" altLang="ko-KR" dirty="0" smtClean="0"/>
@@ -2924,15 +3192,7 @@
           <a:p>
             <a:r>
               <a:rPr lang="en-US" altLang="ko-KR" baseline="0" dirty="0" smtClean="0"/>
-              <a:t>    - ECG classification (</a:t>
-            </a:r>
-            <a:r>
-              <a:rPr lang="en-US" altLang="ko-KR" baseline="0" dirty="0" err="1" smtClean="0"/>
-              <a:t>Arrythmia</a:t>
-            </a:r>
-            <a:r>
-              <a:rPr lang="en-US" altLang="ko-KR" baseline="0" dirty="0" smtClean="0"/>
-              <a:t>: </a:t>
+              <a:t>    - ECG classification (Arrythmia: </a:t>
             </a:r>
             <a:r>
               <a:rPr lang="ko-KR" altLang="en-US" baseline="0" dirty="0" smtClean="0"/>
@@ -3019,24 +3279,16 @@
               <a:t>    - </a:t>
             </a:r>
             <a:r>
-              <a:rPr lang="ko-KR" altLang="en-US" baseline="0" dirty="0" err="1" smtClean="0"/>
-              <a:t>메뉴판</a:t>
-            </a:r>
-            <a:r>
-              <a:rPr lang="ko-KR" altLang="en-US" baseline="0" dirty="0" smtClean="0"/>
-              <a:t> 인식 </a:t>
+              <a:rPr lang="ko-KR" altLang="en-US" baseline="0" dirty="0" smtClean="0"/>
+              <a:t>메뉴판 인식 </a:t>
             </a:r>
             <a:r>
               <a:rPr lang="en-US" altLang="ko-KR" baseline="0" dirty="0" smtClean="0"/>
               <a:t>(</a:t>
             </a:r>
             <a:r>
-              <a:rPr lang="ko-KR" altLang="en-US" baseline="0" dirty="0" err="1" smtClean="0"/>
-              <a:t>배달앱</a:t>
-            </a:r>
-            <a:r>
-              <a:rPr lang="ko-KR" altLang="en-US" baseline="0" dirty="0" smtClean="0"/>
-              <a:t> </a:t>
+              <a:rPr lang="ko-KR" altLang="en-US" baseline="0" dirty="0" smtClean="0"/>
+              <a:t>배달앱 </a:t>
             </a:r>
             <a:r>
               <a:rPr lang="en-US" altLang="ko-KR" baseline="0" dirty="0" smtClean="0"/>
@@ -3059,12 +3311,8 @@
           </a:p>
           <a:p>
             <a:r>
-              <a:rPr lang="ko-KR" altLang="en-US" baseline="0" dirty="0" err="1" smtClean="0"/>
-              <a:t>스타트업</a:t>
-            </a:r>
-            <a:r>
-              <a:rPr lang="ko-KR" altLang="en-US" baseline="0" dirty="0" smtClean="0"/>
-              <a:t> 아이템</a:t>
+              <a:rPr lang="ko-KR" altLang="en-US" baseline="0" dirty="0" smtClean="0"/>
+              <a:t>스타트업 아이템</a:t>
             </a:r>
             <a:endParaRPr lang="en-US" altLang="ko-KR" baseline="0" dirty="0" smtClean="0"/>
           </a:p>
@@ -3230,12 +3478,8 @@
               <a:t>1</a:t>
             </a:r>
             <a:r>
-              <a:rPr lang="ko-KR" altLang="en-US" baseline="0" dirty="0" err="1" smtClean="0"/>
-              <a:t>명이상</a:t>
-            </a:r>
-            <a:r>
-              <a:rPr lang="ko-KR" altLang="en-US" baseline="0" dirty="0" smtClean="0"/>
-              <a:t> 참여가 필수</a:t>
+              <a:rPr lang="ko-KR" altLang="en-US" baseline="0" dirty="0" smtClean="0"/>
+              <a:t>명이상 참여가 필수</a:t>
             </a:r>
             <a:endParaRPr lang="en-US" altLang="ko-KR" baseline="0" dirty="0" smtClean="0"/>
           </a:p>
@@ -3357,23 +3601,7 @@
             </a:r>
             <a:r>
               <a:rPr lang="ko-KR" altLang="en-US" dirty="0" smtClean="0"/>
-              <a:t>투자 아니면 </a:t>
-            </a:r>
-            <a:r>
-              <a:rPr lang="ko-KR" altLang="en-US" dirty="0" err="1" smtClean="0"/>
-              <a:t>회사차려야</a:t>
-            </a:r>
-            <a:r>
-              <a:rPr lang="ko-KR" altLang="en-US" dirty="0" smtClean="0"/>
-              <a:t> </a:t>
-            </a:r>
-            <a:r>
-              <a:rPr lang="ko-KR" altLang="en-US" dirty="0" err="1" smtClean="0"/>
-              <a:t>하는거</a:t>
-            </a:r>
-            <a:r>
-              <a:rPr lang="ko-KR" altLang="en-US" dirty="0" smtClean="0"/>
-              <a:t> 아냐</a:t>
+              <a:t>투자 아니면 회사차려야 하는거 아냐</a:t>
             </a:r>
             <a:r>
               <a:rPr lang="en-US" altLang="ko-KR" dirty="0" smtClean="0"/>
@@ -3411,15 +3639,7 @@
           <a:p>
             <a:r>
               <a:rPr lang="en-US" altLang="ko-KR" baseline="0" dirty="0" smtClean="0"/>
-              <a:t>    - ECG classification (</a:t>
-            </a:r>
-            <a:r>
-              <a:rPr lang="en-US" altLang="ko-KR" baseline="0" dirty="0" err="1" smtClean="0"/>
-              <a:t>Arrythmia</a:t>
-            </a:r>
-            <a:r>
-              <a:rPr lang="en-US" altLang="ko-KR" baseline="0" dirty="0" smtClean="0"/>
-              <a:t>: </a:t>
+              <a:t>    - ECG classification (Arrythmia: </a:t>
             </a:r>
             <a:r>
               <a:rPr lang="ko-KR" altLang="en-US" baseline="0" dirty="0" smtClean="0"/>
@@ -3506,24 +3726,16 @@
               <a:t>    - </a:t>
             </a:r>
             <a:r>
-              <a:rPr lang="ko-KR" altLang="en-US" baseline="0" dirty="0" err="1" smtClean="0"/>
-              <a:t>메뉴판</a:t>
-            </a:r>
-            <a:r>
-              <a:rPr lang="ko-KR" altLang="en-US" baseline="0" dirty="0" smtClean="0"/>
-              <a:t> 인식 </a:t>
+              <a:rPr lang="ko-KR" altLang="en-US" baseline="0" dirty="0" smtClean="0"/>
+              <a:t>메뉴판 인식 </a:t>
             </a:r>
             <a:r>
               <a:rPr lang="en-US" altLang="ko-KR" baseline="0" dirty="0" smtClean="0"/>
               <a:t>(</a:t>
             </a:r>
             <a:r>
-              <a:rPr lang="ko-KR" altLang="en-US" baseline="0" dirty="0" err="1" smtClean="0"/>
-              <a:t>배달앱</a:t>
-            </a:r>
-            <a:r>
-              <a:rPr lang="ko-KR" altLang="en-US" baseline="0" dirty="0" smtClean="0"/>
-              <a:t> </a:t>
+              <a:rPr lang="ko-KR" altLang="en-US" baseline="0" dirty="0" smtClean="0"/>
+              <a:t>배달앱 </a:t>
             </a:r>
             <a:r>
               <a:rPr lang="en-US" altLang="ko-KR" baseline="0" dirty="0" smtClean="0"/>
@@ -3546,12 +3758,8 @@
           </a:p>
           <a:p>
             <a:r>
-              <a:rPr lang="ko-KR" altLang="en-US" baseline="0" dirty="0" err="1" smtClean="0"/>
-              <a:t>스타트업</a:t>
-            </a:r>
-            <a:r>
-              <a:rPr lang="ko-KR" altLang="en-US" baseline="0" dirty="0" smtClean="0"/>
-              <a:t> 아이템</a:t>
+              <a:rPr lang="ko-KR" altLang="en-US" baseline="0" dirty="0" smtClean="0"/>
+              <a:t>스타트업 아이템</a:t>
             </a:r>
             <a:endParaRPr lang="en-US" altLang="ko-KR" baseline="0" dirty="0" smtClean="0"/>
           </a:p>
@@ -3717,12 +3925,8 @@
               <a:t>1</a:t>
             </a:r>
             <a:r>
-              <a:rPr lang="ko-KR" altLang="en-US" baseline="0" dirty="0" err="1" smtClean="0"/>
-              <a:t>명이상</a:t>
-            </a:r>
-            <a:r>
-              <a:rPr lang="ko-KR" altLang="en-US" baseline="0" dirty="0" smtClean="0"/>
-              <a:t> 참여가 필수</a:t>
+              <a:rPr lang="ko-KR" altLang="en-US" baseline="0" dirty="0" smtClean="0"/>
+              <a:t>명이상 참여가 필수</a:t>
             </a:r>
             <a:endParaRPr lang="en-US" altLang="ko-KR" baseline="0" dirty="0" smtClean="0"/>
           </a:p>
@@ -3844,23 +4048,7 @@
             </a:r>
             <a:r>
               <a:rPr lang="ko-KR" altLang="en-US" dirty="0" smtClean="0"/>
-              <a:t>투자 아니면 </a:t>
-            </a:r>
-            <a:r>
-              <a:rPr lang="ko-KR" altLang="en-US" dirty="0" err="1" smtClean="0"/>
-              <a:t>회사차려야</a:t>
-            </a:r>
-            <a:r>
-              <a:rPr lang="ko-KR" altLang="en-US" dirty="0" smtClean="0"/>
-              <a:t> </a:t>
-            </a:r>
-            <a:r>
-              <a:rPr lang="ko-KR" altLang="en-US" dirty="0" err="1" smtClean="0"/>
-              <a:t>하는거</a:t>
-            </a:r>
-            <a:r>
-              <a:rPr lang="ko-KR" altLang="en-US" dirty="0" smtClean="0"/>
-              <a:t> 아냐</a:t>
+              <a:t>투자 아니면 회사차려야 하는거 아냐</a:t>
             </a:r>
             <a:r>
               <a:rPr lang="en-US" altLang="ko-KR" dirty="0" smtClean="0"/>
@@ -3898,15 +4086,7 @@
           <a:p>
             <a:r>
               <a:rPr lang="en-US" altLang="ko-KR" baseline="0" dirty="0" smtClean="0"/>
-              <a:t>    - ECG classification (</a:t>
-            </a:r>
-            <a:r>
-              <a:rPr lang="en-US" altLang="ko-KR" baseline="0" dirty="0" err="1" smtClean="0"/>
-              <a:t>Arrythmia</a:t>
-            </a:r>
-            <a:r>
-              <a:rPr lang="en-US" altLang="ko-KR" baseline="0" dirty="0" smtClean="0"/>
-              <a:t>: </a:t>
+              <a:t>    - ECG classification (Arrythmia: </a:t>
             </a:r>
             <a:r>
               <a:rPr lang="ko-KR" altLang="en-US" baseline="0" dirty="0" smtClean="0"/>
@@ -3993,24 +4173,16 @@
               <a:t>    - </a:t>
             </a:r>
             <a:r>
-              <a:rPr lang="ko-KR" altLang="en-US" baseline="0" dirty="0" err="1" smtClean="0"/>
-              <a:t>메뉴판</a:t>
-            </a:r>
-            <a:r>
-              <a:rPr lang="ko-KR" altLang="en-US" baseline="0" dirty="0" smtClean="0"/>
-              <a:t> 인식 </a:t>
+              <a:rPr lang="ko-KR" altLang="en-US" baseline="0" dirty="0" smtClean="0"/>
+              <a:t>메뉴판 인식 </a:t>
             </a:r>
             <a:r>
               <a:rPr lang="en-US" altLang="ko-KR" baseline="0" dirty="0" smtClean="0"/>
               <a:t>(</a:t>
             </a:r>
             <a:r>
-              <a:rPr lang="ko-KR" altLang="en-US" baseline="0" dirty="0" err="1" smtClean="0"/>
-              <a:t>배달앱</a:t>
-            </a:r>
-            <a:r>
-              <a:rPr lang="ko-KR" altLang="en-US" baseline="0" dirty="0" smtClean="0"/>
-              <a:t> </a:t>
+              <a:rPr lang="ko-KR" altLang="en-US" baseline="0" dirty="0" smtClean="0"/>
+              <a:t>배달앱 </a:t>
             </a:r>
             <a:r>
               <a:rPr lang="en-US" altLang="ko-KR" baseline="0" dirty="0" smtClean="0"/>
@@ -4033,12 +4205,8 @@
           </a:p>
           <a:p>
             <a:r>
-              <a:rPr lang="ko-KR" altLang="en-US" baseline="0" dirty="0" err="1" smtClean="0"/>
-              <a:t>스타트업</a:t>
-            </a:r>
-            <a:r>
-              <a:rPr lang="ko-KR" altLang="en-US" baseline="0" dirty="0" smtClean="0"/>
-              <a:t> 아이템</a:t>
+              <a:rPr lang="ko-KR" altLang="en-US" baseline="0" dirty="0" smtClean="0"/>
+              <a:t>스타트업 아이템</a:t>
             </a:r>
             <a:endParaRPr lang="en-US" altLang="ko-KR" baseline="0" dirty="0" smtClean="0"/>
           </a:p>
@@ -4204,12 +4372,8 @@
               <a:t>1</a:t>
             </a:r>
             <a:r>
-              <a:rPr lang="ko-KR" altLang="en-US" baseline="0" dirty="0" err="1" smtClean="0"/>
-              <a:t>명이상</a:t>
-            </a:r>
-            <a:r>
-              <a:rPr lang="ko-KR" altLang="en-US" baseline="0" dirty="0" smtClean="0"/>
-              <a:t> 참여가 필수</a:t>
+              <a:rPr lang="ko-KR" altLang="en-US" baseline="0" dirty="0" smtClean="0"/>
+              <a:t>명이상 참여가 필수</a:t>
             </a:r>
             <a:endParaRPr lang="en-US" altLang="ko-KR" baseline="0" dirty="0" smtClean="0"/>
           </a:p>
@@ -4331,23 +4495,7 @@
             </a:r>
             <a:r>
               <a:rPr lang="ko-KR" altLang="en-US" dirty="0" smtClean="0"/>
-              <a:t>투자 아니면 </a:t>
-            </a:r>
-            <a:r>
-              <a:rPr lang="ko-KR" altLang="en-US" dirty="0" err="1" smtClean="0"/>
-              <a:t>회사차려야</a:t>
-            </a:r>
-            <a:r>
-              <a:rPr lang="ko-KR" altLang="en-US" dirty="0" smtClean="0"/>
-              <a:t> </a:t>
-            </a:r>
-            <a:r>
-              <a:rPr lang="ko-KR" altLang="en-US" dirty="0" err="1" smtClean="0"/>
-              <a:t>하는거</a:t>
-            </a:r>
-            <a:r>
-              <a:rPr lang="ko-KR" altLang="en-US" dirty="0" smtClean="0"/>
-              <a:t> 아냐</a:t>
+              <a:t>투자 아니면 회사차려야 하는거 아냐</a:t>
             </a:r>
             <a:r>
               <a:rPr lang="en-US" altLang="ko-KR" dirty="0" smtClean="0"/>
@@ -4385,15 +4533,7 @@
           <a:p>
             <a:r>
               <a:rPr lang="en-US" altLang="ko-KR" baseline="0" dirty="0" smtClean="0"/>
-              <a:t>    - ECG classification (</a:t>
-            </a:r>
-            <a:r>
-              <a:rPr lang="en-US" altLang="ko-KR" baseline="0" dirty="0" err="1" smtClean="0"/>
-              <a:t>Arrythmia</a:t>
-            </a:r>
-            <a:r>
-              <a:rPr lang="en-US" altLang="ko-KR" baseline="0" dirty="0" smtClean="0"/>
-              <a:t>: </a:t>
+              <a:t>    - ECG classification (Arrythmia: </a:t>
             </a:r>
             <a:r>
               <a:rPr lang="ko-KR" altLang="en-US" baseline="0" dirty="0" smtClean="0"/>
@@ -4480,24 +4620,16 @@
               <a:t>    - </a:t>
             </a:r>
             <a:r>
-              <a:rPr lang="ko-KR" altLang="en-US" baseline="0" dirty="0" err="1" smtClean="0"/>
-              <a:t>메뉴판</a:t>
-            </a:r>
-            <a:r>
-              <a:rPr lang="ko-KR" altLang="en-US" baseline="0" dirty="0" smtClean="0"/>
-              <a:t> 인식 </a:t>
+              <a:rPr lang="ko-KR" altLang="en-US" baseline="0" dirty="0" smtClean="0"/>
+              <a:t>메뉴판 인식 </a:t>
             </a:r>
             <a:r>
               <a:rPr lang="en-US" altLang="ko-KR" baseline="0" dirty="0" smtClean="0"/>
               <a:t>(</a:t>
             </a:r>
             <a:r>
-              <a:rPr lang="ko-KR" altLang="en-US" baseline="0" dirty="0" err="1" smtClean="0"/>
-              <a:t>배달앱</a:t>
-            </a:r>
-            <a:r>
-              <a:rPr lang="ko-KR" altLang="en-US" baseline="0" dirty="0" smtClean="0"/>
-              <a:t> </a:t>
+              <a:rPr lang="ko-KR" altLang="en-US" baseline="0" dirty="0" smtClean="0"/>
+              <a:t>배달앱 </a:t>
             </a:r>
             <a:r>
               <a:rPr lang="en-US" altLang="ko-KR" baseline="0" dirty="0" smtClean="0"/>
@@ -4520,12 +4652,8 @@
           </a:p>
           <a:p>
             <a:r>
-              <a:rPr lang="ko-KR" altLang="en-US" baseline="0" dirty="0" err="1" smtClean="0"/>
-              <a:t>스타트업</a:t>
-            </a:r>
-            <a:r>
-              <a:rPr lang="ko-KR" altLang="en-US" baseline="0" dirty="0" smtClean="0"/>
-              <a:t> 아이템</a:t>
+              <a:rPr lang="ko-KR" altLang="en-US" baseline="0" dirty="0" smtClean="0"/>
+              <a:t>스타트업 아이템</a:t>
             </a:r>
             <a:endParaRPr lang="en-US" altLang="ko-KR" baseline="0" dirty="0" smtClean="0"/>
           </a:p>
@@ -4691,12 +4819,8 @@
               <a:t>1</a:t>
             </a:r>
             <a:r>
-              <a:rPr lang="ko-KR" altLang="en-US" baseline="0" dirty="0" err="1" smtClean="0"/>
-              <a:t>명이상</a:t>
-            </a:r>
-            <a:r>
-              <a:rPr lang="ko-KR" altLang="en-US" baseline="0" dirty="0" smtClean="0"/>
-              <a:t> 참여가 필수</a:t>
+              <a:rPr lang="ko-KR" altLang="en-US" baseline="0" dirty="0" smtClean="0"/>
+              <a:t>명이상 참여가 필수</a:t>
             </a:r>
             <a:endParaRPr lang="en-US" altLang="ko-KR" baseline="0" dirty="0" smtClean="0"/>
           </a:p>
@@ -4872,7 +4996,7 @@
           <a:p>
             <a:fld id="{E4C935BF-AB8F-4B36-9153-B3B9CB6E4F07}" type="datetimeFigureOut">
               <a:rPr lang="ko-KR" altLang="en-US" smtClean="0"/>
-              <a:t>2020-11-15</a:t>
+              <a:t>2020-11-19</a:t>
             </a:fld>
             <a:endParaRPr lang="ko-KR" altLang="en-US" dirty="0"/>
           </a:p>
@@ -5042,7 +5166,7 @@
           <a:p>
             <a:fld id="{E4C935BF-AB8F-4B36-9153-B3B9CB6E4F07}" type="datetimeFigureOut">
               <a:rPr lang="ko-KR" altLang="en-US" smtClean="0"/>
-              <a:t>2020-11-15</a:t>
+              <a:t>2020-11-19</a:t>
             </a:fld>
             <a:endParaRPr lang="ko-KR" altLang="en-US" dirty="0"/>
           </a:p>
@@ -5229,7 +5353,7 @@
           <a:p>
             <a:fld id="{E4C935BF-AB8F-4B36-9153-B3B9CB6E4F07}" type="datetimeFigureOut">
               <a:rPr lang="ko-KR" altLang="en-US" smtClean="0"/>
-              <a:t>2020-11-15</a:t>
+              <a:t>2020-11-19</a:t>
             </a:fld>
             <a:endParaRPr lang="ko-KR" altLang="en-US" dirty="0"/>
           </a:p>
@@ -5443,7 +5567,7 @@
           <a:p>
             <a:fld id="{E4C935BF-AB8F-4B36-9153-B3B9CB6E4F07}" type="datetimeFigureOut">
               <a:rPr lang="ko-KR" altLang="en-US" smtClean="0"/>
-              <a:t>2020-11-15</a:t>
+              <a:t>2020-11-19</a:t>
             </a:fld>
             <a:endParaRPr lang="ko-KR" altLang="en-US" dirty="0"/>
           </a:p>
@@ -5689,7 +5813,7 @@
           <a:p>
             <a:fld id="{E4C935BF-AB8F-4B36-9153-B3B9CB6E4F07}" type="datetimeFigureOut">
               <a:rPr lang="ko-KR" altLang="en-US" smtClean="0"/>
-              <a:t>2020-11-15</a:t>
+              <a:t>2020-11-19</a:t>
             </a:fld>
             <a:endParaRPr lang="ko-KR" altLang="en-US" dirty="0"/>
           </a:p>
@@ -5921,7 +6045,7 @@
           <a:p>
             <a:fld id="{E4C935BF-AB8F-4B36-9153-B3B9CB6E4F07}" type="datetimeFigureOut">
               <a:rPr lang="ko-KR" altLang="en-US" smtClean="0"/>
-              <a:t>2020-11-15</a:t>
+              <a:t>2020-11-19</a:t>
             </a:fld>
             <a:endParaRPr lang="ko-KR" altLang="en-US" dirty="0"/>
           </a:p>
@@ -6288,7 +6412,7 @@
           <a:p>
             <a:fld id="{E4C935BF-AB8F-4B36-9153-B3B9CB6E4F07}" type="datetimeFigureOut">
               <a:rPr lang="ko-KR" altLang="en-US" smtClean="0"/>
-              <a:t>2020-11-15</a:t>
+              <a:t>2020-11-19</a:t>
             </a:fld>
             <a:endParaRPr lang="ko-KR" altLang="en-US" dirty="0"/>
           </a:p>
@@ -6406,7 +6530,7 @@
           <a:p>
             <a:fld id="{E4C935BF-AB8F-4B36-9153-B3B9CB6E4F07}" type="datetimeFigureOut">
               <a:rPr lang="ko-KR" altLang="en-US" smtClean="0"/>
-              <a:t>2020-11-15</a:t>
+              <a:t>2020-11-19</a:t>
             </a:fld>
             <a:endParaRPr lang="ko-KR" altLang="en-US" dirty="0"/>
           </a:p>
@@ -6501,7 +6625,7 @@
           <a:p>
             <a:fld id="{E4C935BF-AB8F-4B36-9153-B3B9CB6E4F07}" type="datetimeFigureOut">
               <a:rPr lang="ko-KR" altLang="en-US" smtClean="0"/>
-              <a:t>2020-11-15</a:t>
+              <a:t>2020-11-19</a:t>
             </a:fld>
             <a:endParaRPr lang="ko-KR" altLang="en-US" dirty="0"/>
           </a:p>
@@ -6778,7 +6902,7 @@
           <a:p>
             <a:fld id="{E4C935BF-AB8F-4B36-9153-B3B9CB6E4F07}" type="datetimeFigureOut">
               <a:rPr lang="ko-KR" altLang="en-US" smtClean="0"/>
-              <a:t>2020-11-15</a:t>
+              <a:t>2020-11-19</a:t>
             </a:fld>
             <a:endParaRPr lang="ko-KR" altLang="en-US" dirty="0"/>
           </a:p>
@@ -7031,7 +7155,7 @@
           <a:p>
             <a:fld id="{E4C935BF-AB8F-4B36-9153-B3B9CB6E4F07}" type="datetimeFigureOut">
               <a:rPr lang="ko-KR" altLang="en-US" smtClean="0"/>
-              <a:t>2020-11-15</a:t>
+              <a:t>2020-11-19</a:t>
             </a:fld>
             <a:endParaRPr lang="ko-KR" altLang="en-US" dirty="0"/>
           </a:p>
@@ -7244,7 +7368,7 @@
           <a:p>
             <a:fld id="{E4C935BF-AB8F-4B36-9153-B3B9CB6E4F07}" type="datetimeFigureOut">
               <a:rPr lang="ko-KR" altLang="en-US" smtClean="0"/>
-              <a:t>2020-11-15</a:t>
+              <a:t>2020-11-19</a:t>
             </a:fld>
             <a:endParaRPr lang="ko-KR" altLang="en-US" dirty="0"/>
           </a:p>
@@ -8048,44 +8172,14 @@
               </a:lnSpc>
             </a:pPr>
             <a:r>
-              <a:rPr lang="ko-KR" altLang="en-US" sz="4000" b="1" dirty="0" err="1" smtClean="0">
+              <a:rPr lang="ko-KR" altLang="en-US" sz="4000" b="1" dirty="0" smtClean="0">
                 <a:solidFill>
                   <a:srgbClr val="0D1926"/>
                 </a:solidFill>
                 <a:latin typeface="+mj-ea"/>
                 <a:ea typeface="+mj-ea"/>
               </a:rPr>
-              <a:t>키워드별</a:t>
-            </a:r>
-            <a:r>
-              <a:rPr lang="ko-KR" altLang="en-US" sz="4000" b="1" dirty="0" smtClean="0">
-                <a:solidFill>
-                  <a:srgbClr val="0D1926"/>
-                </a:solidFill>
-                <a:latin typeface="+mj-ea"/>
-                <a:ea typeface="+mj-ea"/>
-              </a:rPr>
-              <a:t> 실시간 </a:t>
-            </a:r>
-            <a:r>
-              <a:rPr lang="ko-KR" altLang="en-US" sz="4000" b="1" dirty="0" err="1" smtClean="0">
-                <a:solidFill>
-                  <a:srgbClr val="0D1926"/>
-                </a:solidFill>
-                <a:latin typeface="+mj-ea"/>
-                <a:ea typeface="+mj-ea"/>
-              </a:rPr>
-              <a:t>웹크롤링</a:t>
-            </a:r>
-            <a:r>
-              <a:rPr lang="ko-KR" altLang="en-US" sz="4000" b="1" dirty="0" smtClean="0">
-                <a:solidFill>
-                  <a:srgbClr val="0D1926"/>
-                </a:solidFill>
-                <a:latin typeface="+mj-ea"/>
-                <a:ea typeface="+mj-ea"/>
-              </a:rPr>
-              <a:t> 및 </a:t>
+              <a:t>키워드별 실시간 웹크롤링 및 </a:t>
             </a:r>
             <a:r>
               <a:rPr lang="en-US" altLang="ko-KR" sz="4000" b="1" dirty="0" smtClean="0">
@@ -8140,6 +8234,204 @@
     <p:extLst>
       <p:ext uri="{BB962C8B-B14F-4D97-AF65-F5344CB8AC3E}">
         <p14:creationId xmlns:p14="http://schemas.microsoft.com/office/powerpoint/2010/main" val="2852720394"/>
+      </p:ext>
+    </p:extLst>
+  </p:cSld>
+  <p:clrMapOvr>
+    <a:masterClrMapping/>
+  </p:clrMapOvr>
+  <p:timing>
+    <p:tnLst>
+      <p:par>
+        <p:cTn id="1" dur="indefinite" restart="never" nodeType="tmRoot"/>
+      </p:par>
+    </p:tnLst>
+  </p:timing>
+</p:sld>
+</file>
+
+<file path=ppt/slides/slide10.xml><?xml version="1.0" encoding="utf-8"?>
+<p:sld xmlns:a="http://schemas.openxmlformats.org/drawingml/2006/main" xmlns:r="http://schemas.openxmlformats.org/officeDocument/2006/relationships" xmlns:p="http://schemas.openxmlformats.org/presentationml/2006/main">
+  <p:cSld>
+    <p:spTree>
+      <p:nvGrpSpPr>
+        <p:cNvPr id="1" name=""/>
+        <p:cNvGrpSpPr/>
+        <p:nvPr/>
+      </p:nvGrpSpPr>
+      <p:grpSpPr>
+        <a:xfrm>
+          <a:off x="0" y="0"/>
+          <a:ext cx="0" cy="0"/>
+          <a:chOff x="0" y="0"/>
+          <a:chExt cx="0" cy="0"/>
+        </a:xfrm>
+      </p:grpSpPr>
+      <p:sp>
+        <p:nvSpPr>
+          <p:cNvPr id="10" name="TextBox 9">
+            <a:extLst>
+              <a:ext uri="{FF2B5EF4-FFF2-40B4-BE49-F238E27FC236}">
+                <a16:creationId xmlns:a16="http://schemas.microsoft.com/office/drawing/2014/main" xmlns="" id="{00C9ADAB-2823-4A16-A341-B0F588187EA7}"/>
+              </a:ext>
+            </a:extLst>
+          </p:cNvPr>
+          <p:cNvSpPr txBox="1"/>
+          <p:nvPr/>
+        </p:nvSpPr>
+        <p:spPr>
+          <a:xfrm>
+            <a:off x="0" y="240632"/>
+            <a:ext cx="12192000" cy="553998"/>
+          </a:xfrm>
+          <a:prstGeom prst="rect">
+            <a:avLst/>
+          </a:prstGeom>
+          <a:noFill/>
+        </p:spPr>
+        <p:txBody>
+          <a:bodyPr wrap="square" rtlCol="0">
+            <a:spAutoFit/>
+          </a:bodyPr>
+          <a:lstStyle/>
+          <a:p>
+            <a:r>
+              <a:rPr lang="en-US" altLang="ko-KR" sz="3000" spc="-67" dirty="0" smtClean="0">
+                <a:solidFill>
+                  <a:schemeClr val="accent6">
+                    <a:lumMod val="75000"/>
+                  </a:schemeClr>
+                </a:solidFill>
+                <a:latin typeface="+mn-ea"/>
+              </a:rPr>
+              <a:t>Prerequisites</a:t>
+            </a:r>
+            <a:endParaRPr lang="ko-KR" altLang="en-US" sz="3000" spc="-67" dirty="0">
+              <a:solidFill>
+                <a:schemeClr val="accent6">
+                  <a:lumMod val="75000"/>
+                </a:schemeClr>
+              </a:solidFill>
+              <a:latin typeface="+mn-ea"/>
+            </a:endParaRPr>
+          </a:p>
+        </p:txBody>
+      </p:sp>
+      <p:sp>
+        <p:nvSpPr>
+          <p:cNvPr id="16" name="직사각형 15"/>
+          <p:cNvSpPr/>
+          <p:nvPr/>
+        </p:nvSpPr>
+        <p:spPr>
+          <a:xfrm>
+            <a:off x="3414357" y="1872068"/>
+            <a:ext cx="5052310" cy="2581399"/>
+          </a:xfrm>
+          <a:prstGeom prst="rect">
+            <a:avLst/>
+          </a:prstGeom>
+          <a:solidFill>
+            <a:schemeClr val="bg1"/>
+          </a:solidFill>
+          <a:ln>
+            <a:noFill/>
+          </a:ln>
+          <a:effectLst/>
+        </p:spPr>
+        <p:style>
+          <a:lnRef idx="2">
+            <a:schemeClr val="accent1">
+              <a:shade val="50000"/>
+            </a:schemeClr>
+          </a:lnRef>
+          <a:fillRef idx="1">
+            <a:schemeClr val="accent1"/>
+          </a:fillRef>
+          <a:effectRef idx="0">
+            <a:schemeClr val="accent1"/>
+          </a:effectRef>
+          <a:fontRef idx="minor">
+            <a:schemeClr val="lt1"/>
+          </a:fontRef>
+        </p:style>
+        <p:txBody>
+          <a:bodyPr rtlCol="0" anchor="t" anchorCtr="0"/>
+          <a:lstStyle/>
+          <a:p>
+            <a:pPr marL="285750" indent="-192088">
+              <a:lnSpc>
+                <a:spcPct val="150000"/>
+              </a:lnSpc>
+              <a:buFont typeface="Arial" panose="020B0604020202020204" pitchFamily="34" charset="0"/>
+              <a:buChar char="•"/>
+            </a:pPr>
+            <a:r>
+              <a:rPr lang="en-US" altLang="ko-KR" sz="2000" dirty="0" smtClean="0">
+                <a:solidFill>
+                  <a:schemeClr val="tx1"/>
+                </a:solidFill>
+              </a:rPr>
+              <a:t>flask</a:t>
+            </a:r>
+          </a:p>
+          <a:p>
+            <a:pPr marL="285750" indent="-192088">
+              <a:lnSpc>
+                <a:spcPct val="150000"/>
+              </a:lnSpc>
+              <a:buFont typeface="Arial" panose="020B0604020202020204" pitchFamily="34" charset="0"/>
+              <a:buChar char="•"/>
+            </a:pPr>
+            <a:r>
+              <a:rPr lang="en-US" altLang="ko-KR" sz="2000" dirty="0" smtClean="0">
+                <a:solidFill>
+                  <a:schemeClr val="tx1"/>
+                </a:solidFill>
+              </a:rPr>
+              <a:t>requests, bs4</a:t>
+            </a:r>
+          </a:p>
+          <a:p>
+            <a:pPr marL="285750" indent="-192088">
+              <a:lnSpc>
+                <a:spcPct val="150000"/>
+              </a:lnSpc>
+              <a:buFont typeface="Arial" panose="020B0604020202020204" pitchFamily="34" charset="0"/>
+              <a:buChar char="•"/>
+            </a:pPr>
+            <a:r>
+              <a:rPr lang="en-US" altLang="ko-KR" sz="2000" dirty="0" smtClean="0">
+                <a:solidFill>
+                  <a:schemeClr val="tx1"/>
+                </a:solidFill>
+              </a:rPr>
+              <a:t>random</a:t>
+            </a:r>
+          </a:p>
+          <a:p>
+            <a:pPr marL="285750" indent="-192088">
+              <a:lnSpc>
+                <a:spcPct val="150000"/>
+              </a:lnSpc>
+              <a:buFont typeface="Arial" panose="020B0604020202020204" pitchFamily="34" charset="0"/>
+              <a:buChar char="•"/>
+            </a:pPr>
+            <a:r>
+              <a:rPr lang="en-US" altLang="ko-KR" sz="2000" dirty="0" smtClean="0">
+                <a:solidFill>
+                  <a:schemeClr val="tx1"/>
+                </a:solidFill>
+              </a:rPr>
+              <a:t>ThreadPool</a:t>
+            </a:r>
+          </a:p>
+        </p:txBody>
+      </p:sp>
+    </p:spTree>
+    <p:extLst>
+      <p:ext uri="{BB962C8B-B14F-4D97-AF65-F5344CB8AC3E}">
+        <p14:creationId xmlns:p14="http://schemas.microsoft.com/office/powerpoint/2010/main" val="3260864113"/>
       </p:ext>
     </p:extLst>
   </p:cSld>
@@ -8342,7 +8634,7 @@
               <a:buChar char="•"/>
             </a:pPr>
             <a:r>
-              <a:rPr lang="ko-KR" altLang="en-US" sz="2000" dirty="0" err="1" smtClean="0">
+              <a:rPr lang="ko-KR" altLang="en-US" sz="2000" dirty="0" smtClean="0">
                 <a:solidFill>
                   <a:schemeClr val="tx1"/>
                 </a:solidFill>
@@ -8385,15 +8677,7 @@
                   <a:schemeClr val="tx1"/>
                 </a:solidFill>
               </a:rPr>
-              <a:t>문장</a:t>
-            </a:r>
-            <a:r>
-              <a:rPr lang="ko-KR" altLang="en-US" sz="2000" dirty="0" smtClean="0">
-                <a:solidFill>
-                  <a:schemeClr val="tx1"/>
-                </a:solidFill>
-              </a:rPr>
-              <a:t>생성</a:t>
+              <a:t>문장생성</a:t>
             </a:r>
             <a:endParaRPr lang="en-US" altLang="ko-KR" sz="2000" dirty="0">
               <a:solidFill>
@@ -8627,16 +8911,16 @@
                 </a:solidFill>
                 <a:latin typeface="+mn-ea"/>
               </a:rPr>
-              <a:t>인터넷에는 해당 주제에 대해 다양한 방식으로 표현한 </a:t>
-            </a:r>
-            <a:r>
-              <a:rPr lang="ko-KR" altLang="en-US" dirty="0" err="1" smtClean="0">
+              <a:t>인터넷에는 해당 주제에 대해 다양한 방식으로 표현한 컨텐츠가 많이 있어</a:t>
+            </a:r>
+            <a:r>
+              <a:rPr lang="en-US" altLang="ko-KR" dirty="0" smtClean="0">
                 <a:solidFill>
                   <a:schemeClr val="tx1"/>
                 </a:solidFill>
                 <a:latin typeface="+mn-ea"/>
               </a:rPr>
-              <a:t>컨텐츠가</a:t>
+              <a:t>, </a:t>
             </a:r>
             <a:r>
               <a:rPr lang="ko-KR" altLang="en-US" dirty="0" smtClean="0">
@@ -8645,34 +8929,7 @@
                 </a:solidFill>
                 <a:latin typeface="+mn-ea"/>
               </a:rPr>
-              <a:t> 많이 있어</a:t>
-            </a:r>
-            <a:r>
-              <a:rPr lang="en-US" altLang="ko-KR" dirty="0" smtClean="0">
-                <a:solidFill>
-                  <a:schemeClr val="tx1"/>
-                </a:solidFill>
-                <a:latin typeface="+mn-ea"/>
-              </a:rPr>
-              <a:t>, </a:t>
-            </a:r>
-            <a:r>
-              <a:rPr lang="ko-KR" altLang="en-US" dirty="0" smtClean="0">
-                <a:solidFill>
-                  <a:schemeClr val="tx1"/>
-                </a:solidFill>
-                <a:latin typeface="+mn-ea"/>
-              </a:rPr>
-              <a:t>이를 활용하여 짧은 글을 쓸 수 </a:t>
-            </a:r>
-            <a:r>
-              <a:rPr lang="ko-KR" altLang="en-US" dirty="0" smtClean="0">
-                <a:solidFill>
-                  <a:schemeClr val="tx1"/>
-                </a:solidFill>
-                <a:latin typeface="+mn-ea"/>
-              </a:rPr>
-              <a:t>있도록 함</a:t>
+              <a:t>이를 활용하여 짧은 글을 쓸 수 있도록 함</a:t>
             </a:r>
             <a:endParaRPr lang="en-US" altLang="ko-KR" dirty="0" smtClean="0">
               <a:solidFill>
@@ -8810,13 +9067,22 @@
               <a:t>(</a:t>
             </a:r>
             <a:r>
-              <a:rPr lang="ko-KR" altLang="en-US" dirty="0" err="1" smtClean="0">
+              <a:rPr lang="ko-KR" altLang="en-US" dirty="0" smtClean="0">
                 <a:solidFill>
                   <a:schemeClr val="tx1"/>
                 </a:solidFill>
                 <a:latin typeface="+mn-ea"/>
               </a:rPr>
-              <a:t>대분류</a:t>
+              <a:t>대분류 </a:t>
+            </a:r>
+            <a:r>
+              <a:rPr lang="en-US" altLang="ko-KR" dirty="0" smtClean="0">
+                <a:solidFill>
+                  <a:schemeClr val="tx1"/>
+                </a:solidFill>
+                <a:latin typeface="+mn-ea"/>
+              </a:rPr>
+              <a:t>+ </a:t>
             </a:r>
             <a:r>
               <a:rPr lang="ko-KR" altLang="en-US" dirty="0" smtClean="0">
@@ -8825,7 +9091,7 @@
                 </a:solidFill>
                 <a:latin typeface="+mn-ea"/>
               </a:rPr>
-              <a:t> </a:t>
+              <a:t>중분류 </a:t>
             </a:r>
             <a:r>
               <a:rPr lang="en-US" altLang="ko-KR" dirty="0" smtClean="0">
@@ -8843,7 +9109,7 @@
                 </a:solidFill>
                 <a:latin typeface="+mn-ea"/>
               </a:rPr>
-              <a:t>중분류 </a:t>
+              <a:t>소분류</a:t>
             </a:r>
             <a:r>
               <a:rPr lang="en-US" altLang="ko-KR" dirty="0" smtClean="0">
@@ -8852,7 +9118,7 @@
                 </a:solidFill>
                 <a:latin typeface="+mn-ea"/>
               </a:rPr>
-              <a:t>+ </a:t>
+              <a:t>)</a:t>
             </a:r>
             <a:r>
               <a:rPr lang="ko-KR" altLang="en-US" dirty="0" smtClean="0">
@@ -8861,43 +9127,7 @@
                 </a:solidFill>
                 <a:latin typeface="+mn-ea"/>
               </a:rPr>
-              <a:t>소분류</a:t>
-            </a:r>
-            <a:r>
-              <a:rPr lang="en-US" altLang="ko-KR" dirty="0" smtClean="0">
-                <a:solidFill>
-                  <a:schemeClr val="tx1"/>
-                </a:solidFill>
-                <a:latin typeface="+mn-ea"/>
-              </a:rPr>
-              <a:t>)</a:t>
-            </a:r>
-            <a:r>
-              <a:rPr lang="ko-KR" altLang="en-US" dirty="0" smtClean="0">
-                <a:solidFill>
-                  <a:schemeClr val="tx1"/>
-                </a:solidFill>
-                <a:latin typeface="+mn-ea"/>
-              </a:rPr>
-              <a:t>에 대한 </a:t>
-            </a:r>
-            <a:r>
-              <a:rPr lang="ko-KR" altLang="en-US" dirty="0" err="1" smtClean="0">
-                <a:solidFill>
-                  <a:schemeClr val="tx1"/>
-                </a:solidFill>
-                <a:latin typeface="+mn-ea"/>
-              </a:rPr>
-              <a:t>컨텐츠를</a:t>
-            </a:r>
-            <a:r>
-              <a:rPr lang="ko-KR" altLang="en-US" dirty="0" smtClean="0">
-                <a:solidFill>
-                  <a:schemeClr val="tx1"/>
-                </a:solidFill>
-                <a:latin typeface="+mn-ea"/>
-              </a:rPr>
-              <a:t> 실시간 수집</a:t>
+              <a:t>에 대한 컨텐츠를 실시간 수집</a:t>
             </a:r>
             <a:endParaRPr lang="en-US" altLang="ko-KR" dirty="0" smtClean="0">
               <a:solidFill>
@@ -8921,25 +9151,7 @@
                 </a:solidFill>
                 <a:latin typeface="+mn-ea"/>
               </a:rPr>
-              <a:t>해당 </a:t>
-            </a:r>
-            <a:r>
-              <a:rPr lang="ko-KR" altLang="en-US" dirty="0" err="1" smtClean="0">
-                <a:solidFill>
-                  <a:schemeClr val="tx1"/>
-                </a:solidFill>
-                <a:latin typeface="+mn-ea"/>
-              </a:rPr>
-              <a:t>컨텐츠</a:t>
-            </a:r>
-            <a:r>
-              <a:rPr lang="ko-KR" altLang="en-US" dirty="0" smtClean="0">
-                <a:solidFill>
-                  <a:schemeClr val="tx1"/>
-                </a:solidFill>
-                <a:latin typeface="+mn-ea"/>
-              </a:rPr>
-              <a:t> 문장 구성을 실시간 학습</a:t>
+              <a:t>해당 컨텐츠 문장 구성을 실시간 학습</a:t>
             </a:r>
             <a:endParaRPr lang="en-US" altLang="ko-KR" dirty="0" smtClean="0">
               <a:solidFill>
@@ -9142,7 +9354,7 @@
           <a:p>
             <a:pPr algn="ctr"/>
             <a:r>
-              <a:rPr lang="ko-KR" altLang="en-US" sz="2000" dirty="0" err="1" smtClean="0"/>
+              <a:rPr lang="ko-KR" altLang="en-US" sz="2000" dirty="0" smtClean="0"/>
               <a:t>컨텐츠수집</a:t>
             </a:r>
             <a:r>
@@ -9197,7 +9409,7 @@
           <a:p>
             <a:pPr algn="ctr"/>
             <a:r>
-              <a:rPr lang="ko-KR" altLang="en-US" sz="2000" dirty="0" err="1" smtClean="0"/>
+              <a:rPr lang="ko-KR" altLang="en-US" sz="2000" dirty="0" smtClean="0"/>
               <a:t>컨텐츠</a:t>
             </a:r>
             <a:r>
@@ -9576,18 +9788,7 @@
                 </a:solidFill>
                 <a:latin typeface="+mn-ea"/>
               </a:rPr>
-              <a:t>(</a:t>
-            </a:r>
-            <a:r>
-              <a:rPr lang="en-US" altLang="ko-KR" sz="3000" spc="-67" dirty="0" smtClean="0">
-                <a:solidFill>
-                  <a:schemeClr val="accent6">
-                    <a:lumMod val="75000"/>
-                  </a:schemeClr>
-                </a:solidFill>
-                <a:latin typeface="+mn-ea"/>
-              </a:rPr>
-              <a:t>web-crawling)</a:t>
+              <a:t>(web-crawling)</a:t>
             </a:r>
             <a:endParaRPr lang="ko-KR" altLang="en-US" sz="3000" spc="-67" dirty="0">
               <a:solidFill>
@@ -9650,20 +9851,12 @@
               <a:buChar char="•"/>
             </a:pPr>
             <a:r>
-              <a:rPr lang="ko-KR" altLang="en-US" dirty="0" err="1" smtClean="0">
-                <a:solidFill>
-                  <a:schemeClr val="tx1"/>
-                </a:solidFill>
-              </a:rPr>
-              <a:t>컨텐츠는</a:t>
-            </a:r>
-            <a:r>
               <a:rPr lang="ko-KR" altLang="en-US" dirty="0" smtClean="0">
                 <a:solidFill>
                   <a:schemeClr val="tx1"/>
                 </a:solidFill>
               </a:rPr>
-              <a:t> </a:t>
+              <a:t>컨텐츠는 </a:t>
             </a:r>
             <a:r>
               <a:rPr lang="en-US" altLang="ko-KR" dirty="0" smtClean="0">
@@ -9674,28 +9867,12 @@
               <a:t>‘</a:t>
             </a:r>
             <a:r>
-              <a:rPr lang="ko-KR" altLang="en-US" dirty="0" err="1" smtClean="0">
-                <a:solidFill>
-                  <a:schemeClr val="tx1"/>
-                </a:solidFill>
-              </a:rPr>
-              <a:t>네이버</a:t>
-            </a:r>
-            <a:r>
               <a:rPr lang="ko-KR" altLang="en-US" dirty="0" smtClean="0">
                 <a:solidFill>
                   <a:schemeClr val="tx1"/>
                 </a:solidFill>
               </a:rPr>
-              <a:t> </a:t>
-            </a:r>
-            <a:r>
-              <a:rPr lang="ko-KR" altLang="en-US" dirty="0" err="1" smtClean="0">
-                <a:solidFill>
-                  <a:schemeClr val="tx1"/>
-                </a:solidFill>
-              </a:rPr>
-              <a:t>블로그</a:t>
+              <a:t>네이버 블로그</a:t>
             </a:r>
             <a:r>
               <a:rPr lang="en-US" altLang="ko-KR" dirty="0" smtClean="0">
@@ -9753,7 +9930,7 @@
               <a:t>=</a:t>
             </a:r>
             <a:r>
-              <a:rPr lang="ko-KR" altLang="en-US" sz="1600" u="sng" dirty="0" err="1" smtClean="0">
+              <a:rPr lang="ko-KR" altLang="en-US" sz="1600" u="sng" dirty="0" smtClean="0">
                 <a:solidFill>
                   <a:schemeClr val="tx1"/>
                 </a:solidFill>
@@ -9769,31 +9946,15 @@
               <a:t>&amp;</a:t>
             </a:r>
             <a:r>
-              <a:rPr lang="en-US" altLang="ko-KR" sz="1600" dirty="0" err="1">
-                <a:solidFill>
-                  <a:schemeClr val="tx1"/>
-                </a:solidFill>
-              </a:rPr>
-              <a:t>nso</a:t>
-            </a:r>
-            <a:r>
               <a:rPr lang="en-US" altLang="ko-KR" sz="1600" dirty="0">
                 <a:solidFill>
                   <a:schemeClr val="tx1"/>
                 </a:solidFill>
               </a:rPr>
-              <a:t>=&amp;where=</a:t>
-            </a:r>
-            <a:r>
-              <a:rPr lang="en-US" altLang="ko-KR" sz="1600" dirty="0" err="1">
-                <a:solidFill>
-                  <a:schemeClr val="tx1"/>
-                </a:solidFill>
-              </a:rPr>
-              <a:t>view&amp;sm</a:t>
-            </a:r>
-            <a:r>
-              <a:rPr lang="en-US" altLang="ko-KR" sz="1600" dirty="0">
+              <a:t>nso=&amp;where=view&amp;sm=tab_nmr&amp;mode=normal&amp;start</a:t>
+            </a:r>
+            <a:r>
+              <a:rPr lang="en-US" altLang="ko-KR" sz="1600" dirty="0" smtClean="0">
                 <a:solidFill>
                   <a:schemeClr val="tx1"/>
                 </a:solidFill>
@@ -9801,39 +9962,7 @@
               <a:t>=</a:t>
             </a:r>
             <a:r>
-              <a:rPr lang="en-US" altLang="ko-KR" sz="1600" dirty="0" err="1">
-                <a:solidFill>
-                  <a:schemeClr val="tx1"/>
-                </a:solidFill>
-              </a:rPr>
-              <a:t>tab_nmr&amp;mode</a:t>
-            </a:r>
-            <a:r>
-              <a:rPr lang="en-US" altLang="ko-KR" sz="1600" dirty="0">
-                <a:solidFill>
-                  <a:schemeClr val="tx1"/>
-                </a:solidFill>
-              </a:rPr>
-              <a:t>=</a:t>
-            </a:r>
-            <a:r>
-              <a:rPr lang="en-US" altLang="ko-KR" sz="1600" dirty="0" err="1">
-                <a:solidFill>
-                  <a:schemeClr val="tx1"/>
-                </a:solidFill>
-              </a:rPr>
-              <a:t>normal&amp;start</a:t>
-            </a:r>
-            <a:r>
-              <a:rPr lang="en-US" altLang="ko-KR" sz="1600" dirty="0" smtClean="0">
-                <a:solidFill>
-                  <a:schemeClr val="tx1"/>
-                </a:solidFill>
-              </a:rPr>
-              <a:t>=</a:t>
-            </a:r>
-            <a:r>
-              <a:rPr lang="ko-KR" altLang="en-US" sz="1600" u="sng" dirty="0" err="1" smtClean="0">
+              <a:rPr lang="ko-KR" altLang="en-US" sz="1600" u="sng" dirty="0" smtClean="0">
                 <a:solidFill>
                   <a:schemeClr val="tx1"/>
                 </a:solidFill>
@@ -9882,23 +10011,7 @@
                   <a:schemeClr val="tx1"/>
                 </a:solidFill>
               </a:rPr>
-              <a:t>requests, </a:t>
-            </a:r>
-            <a:r>
-              <a:rPr lang="en-US" altLang="ko-KR" dirty="0" err="1" smtClean="0">
-                <a:solidFill>
-                  <a:schemeClr val="tx1"/>
-                </a:solidFill>
-              </a:rPr>
-              <a:t>BeautifulSoup</a:t>
-            </a:r>
-            <a:r>
-              <a:rPr lang="en-US" altLang="ko-KR" dirty="0" smtClean="0">
-                <a:solidFill>
-                  <a:schemeClr val="tx1"/>
-                </a:solidFill>
-              </a:rPr>
-              <a:t> package </a:t>
+              <a:t>requests, BeautifulSoup package </a:t>
             </a:r>
             <a:r>
               <a:rPr lang="ko-KR" altLang="en-US" dirty="0" smtClean="0">
@@ -9929,39 +10042,7 @@
                   <a:schemeClr val="tx1"/>
                 </a:solidFill>
               </a:rPr>
-              <a:t>- r = </a:t>
-            </a:r>
-            <a:r>
-              <a:rPr lang="en-US" altLang="ko-KR" sz="1600" dirty="0" err="1">
-                <a:solidFill>
-                  <a:schemeClr val="tx1"/>
-                </a:solidFill>
-              </a:rPr>
-              <a:t>requests.get</a:t>
-            </a:r>
-            <a:r>
-              <a:rPr lang="en-US" altLang="ko-KR" sz="1600" dirty="0">
-                <a:solidFill>
-                  <a:schemeClr val="tx1"/>
-                </a:solidFill>
-              </a:rPr>
-              <a:t>(</a:t>
-            </a:r>
-            <a:r>
-              <a:rPr lang="en-US" altLang="ko-KR" sz="1600" dirty="0" err="1">
-                <a:solidFill>
-                  <a:schemeClr val="tx1"/>
-                </a:solidFill>
-              </a:rPr>
-              <a:t>url</a:t>
-            </a:r>
-            <a:r>
-              <a:rPr lang="en-US" altLang="ko-KR" sz="1600" dirty="0">
-                <a:solidFill>
-                  <a:schemeClr val="tx1"/>
-                </a:solidFill>
-              </a:rPr>
-              <a:t>)</a:t>
+              <a:t>- r = requests.get(url)</a:t>
             </a:r>
             <a:br>
               <a:rPr lang="en-US" altLang="ko-KR" sz="1600" dirty="0">
@@ -9976,71 +10057,7 @@
                   <a:schemeClr val="tx1"/>
                 </a:solidFill>
               </a:rPr>
-              <a:t>- soup = </a:t>
-            </a:r>
-            <a:r>
-              <a:rPr lang="en-US" altLang="ko-KR" sz="1600" dirty="0" err="1">
-                <a:solidFill>
-                  <a:schemeClr val="tx1"/>
-                </a:solidFill>
-              </a:rPr>
-              <a:t>BeautifulSoup</a:t>
-            </a:r>
-            <a:r>
-              <a:rPr lang="en-US" altLang="ko-KR" sz="1600" dirty="0">
-                <a:solidFill>
-                  <a:schemeClr val="tx1"/>
-                </a:solidFill>
-              </a:rPr>
-              <a:t>(</a:t>
-            </a:r>
-            <a:r>
-              <a:rPr lang="en-US" altLang="ko-KR" sz="1600" dirty="0" err="1">
-                <a:solidFill>
-                  <a:schemeClr val="tx1"/>
-                </a:solidFill>
-              </a:rPr>
-              <a:t>r.text</a:t>
-            </a:r>
-            <a:r>
-              <a:rPr lang="en-US" altLang="ko-KR" sz="1600" dirty="0">
-                <a:solidFill>
-                  <a:schemeClr val="tx1"/>
-                </a:solidFill>
-              </a:rPr>
-              <a:t>, '</a:t>
-            </a:r>
-            <a:r>
-              <a:rPr lang="en-US" altLang="ko-KR" sz="1600" dirty="0" err="1">
-                <a:solidFill>
-                  <a:schemeClr val="tx1"/>
-                </a:solidFill>
-              </a:rPr>
-              <a:t>html.parser</a:t>
-            </a:r>
-            <a:r>
-              <a:rPr lang="en-US" altLang="ko-KR" sz="1600" dirty="0">
-                <a:solidFill>
-                  <a:schemeClr val="tx1"/>
-                </a:solidFill>
-              </a:rPr>
-              <a:t>', </a:t>
-            </a:r>
-            <a:r>
-              <a:rPr lang="en-US" altLang="ko-KR" sz="1600" dirty="0" err="1">
-                <a:solidFill>
-                  <a:schemeClr val="tx1"/>
-                </a:solidFill>
-              </a:rPr>
-              <a:t>from_encoding</a:t>
-            </a:r>
-            <a:r>
-              <a:rPr lang="en-US" altLang="ko-KR" sz="1600" dirty="0">
-                <a:solidFill>
-                  <a:schemeClr val="tx1"/>
-                </a:solidFill>
-              </a:rPr>
-              <a:t>='utf-8</a:t>
+              <a:t>- soup = BeautifulSoup(r.text, 'html.parser', from_encoding='utf-8</a:t>
             </a:r>
             <a:r>
               <a:rPr lang="en-US" altLang="ko-KR" sz="1600" dirty="0" smtClean="0">
@@ -10066,20 +10083,12 @@
               <a:t>- </a:t>
             </a:r>
             <a:r>
-              <a:rPr lang="ko-KR" altLang="en-US" sz="1600" dirty="0" err="1" smtClean="0">
-                <a:solidFill>
-                  <a:schemeClr val="tx1"/>
-                </a:solidFill>
-              </a:rPr>
-              <a:t>네이버</a:t>
-            </a:r>
-            <a:r>
               <a:rPr lang="ko-KR" altLang="en-US" sz="1600" dirty="0" smtClean="0">
                 <a:solidFill>
                   <a:schemeClr val="tx1"/>
                 </a:solidFill>
               </a:rPr>
-              <a:t> 검색페이지 구조는 별도 분석 필요</a:t>
+              <a:t>네이버 검색페이지 구조는 별도 분석 필요</a:t>
             </a:r>
             <a:endParaRPr lang="en-US" altLang="ko-KR" sz="1600" dirty="0" smtClean="0">
               <a:solidFill>
@@ -10115,15 +10124,15 @@
                   <a:schemeClr val="tx1"/>
                 </a:solidFill>
               </a:rPr>
-              <a:t>수집한 </a:t>
-            </a:r>
-            <a:r>
-              <a:rPr lang="ko-KR" altLang="en-US" dirty="0" err="1" smtClean="0">
-                <a:solidFill>
-                  <a:schemeClr val="tx1"/>
-                </a:solidFill>
-              </a:rPr>
-              <a:t>컨텐츠를</a:t>
+              <a:t>수집한 컨텐츠를 </a:t>
+            </a:r>
+            <a:r>
+              <a:rPr lang="en-US" altLang="ko-KR" dirty="0" smtClean="0">
+                <a:solidFill>
+                  <a:schemeClr val="tx1"/>
+                </a:solidFill>
+              </a:rPr>
+              <a:t>dict </a:t>
             </a:r>
             <a:r>
               <a:rPr lang="ko-KR" altLang="en-US" dirty="0" smtClean="0">
@@ -10131,15 +10140,7 @@
                   <a:schemeClr val="tx1"/>
                 </a:solidFill>
               </a:rPr>
-              <a:t> </a:t>
-            </a:r>
-            <a:r>
-              <a:rPr lang="en-US" altLang="ko-KR" dirty="0" err="1" smtClean="0">
-                <a:solidFill>
-                  <a:schemeClr val="tx1"/>
-                </a:solidFill>
-              </a:rPr>
-              <a:t>dict</a:t>
+              <a:t>형태로 저장 </a:t>
             </a:r>
             <a:r>
               <a:rPr lang="en-US" altLang="ko-KR" dirty="0" smtClean="0">
@@ -10147,47 +10148,7 @@
                   <a:schemeClr val="tx1"/>
                 </a:solidFill>
               </a:rPr>
-              <a:t> </a:t>
-            </a:r>
-            <a:r>
-              <a:rPr lang="ko-KR" altLang="en-US" dirty="0" smtClean="0">
-                <a:solidFill>
-                  <a:schemeClr val="tx1"/>
-                </a:solidFill>
-              </a:rPr>
-              <a:t>형태로 저장 </a:t>
-            </a:r>
-            <a:r>
-              <a:rPr lang="en-US" altLang="ko-KR" dirty="0" smtClean="0">
-                <a:solidFill>
-                  <a:schemeClr val="tx1"/>
-                </a:solidFill>
-              </a:rPr>
-              <a:t>(</a:t>
-            </a:r>
-            <a:r>
-              <a:rPr lang="en-US" altLang="ko-KR" dirty="0" err="1" smtClean="0">
-                <a:solidFill>
-                  <a:schemeClr val="tx1"/>
-                </a:solidFill>
-              </a:rPr>
-              <a:t>contents.dict</a:t>
-            </a:r>
-            <a:r>
-              <a:rPr lang="en-US" altLang="ko-KR" dirty="0" smtClean="0">
-                <a:solidFill>
-                  <a:schemeClr val="tx1"/>
-                </a:solidFill>
-              </a:rPr>
-              <a:t>)</a:t>
-            </a:r>
-            <a:r>
-              <a:rPr lang="en-US" altLang="ko-KR" dirty="0" smtClean="0">
-                <a:solidFill>
-                  <a:schemeClr val="tx1"/>
-                </a:solidFill>
-              </a:rPr>
-              <a:t/>
+              <a:t>(contents.dict)</a:t>
             </a:r>
             <a:br>
               <a:rPr lang="en-US" altLang="ko-KR" dirty="0" smtClean="0">
@@ -10202,15 +10163,7 @@
                   <a:schemeClr val="tx1"/>
                 </a:solidFill>
               </a:rPr>
-              <a:t>- pickle, </a:t>
-            </a:r>
-            <a:r>
-              <a:rPr lang="en-US" altLang="ko-KR" sz="1600" dirty="0" err="1" smtClean="0">
-                <a:solidFill>
-                  <a:schemeClr val="tx1"/>
-                </a:solidFill>
-              </a:rPr>
-              <a:t>gzip</a:t>
+              <a:t>- pickle, gzip</a:t>
             </a:r>
             <a:r>
               <a:rPr lang="ko-KR" altLang="en-US" sz="1600" dirty="0" smtClean="0">
@@ -10373,7 +10326,7 @@
           <a:lstStyle/>
           <a:p>
             <a:r>
-              <a:rPr lang="ko-KR" altLang="en-US" sz="3000" spc="-67" dirty="0" err="1" smtClean="0">
+              <a:rPr lang="ko-KR" altLang="en-US" sz="3000" spc="-67" dirty="0" smtClean="0">
                 <a:solidFill>
                   <a:schemeClr val="accent6">
                     <a:lumMod val="75000"/>
@@ -10474,20 +10427,12 @@
               <a:t>저장해놓은 </a:t>
             </a:r>
             <a:r>
-              <a:rPr lang="en-US" altLang="ko-KR" dirty="0" err="1" smtClean="0">
-                <a:solidFill>
-                  <a:schemeClr val="tx1"/>
-                </a:solidFill>
-              </a:rPr>
-              <a:t>contents.dict</a:t>
-            </a:r>
-            <a:r>
               <a:rPr lang="en-US" altLang="ko-KR" dirty="0" smtClean="0">
                 <a:solidFill>
                   <a:schemeClr val="tx1"/>
                 </a:solidFill>
               </a:rPr>
-              <a:t> </a:t>
+              <a:t>contents.dict </a:t>
             </a:r>
             <a:r>
               <a:rPr lang="ko-KR" altLang="en-US" dirty="0" smtClean="0">
@@ -10495,39 +10440,7 @@
                   <a:schemeClr val="tx1"/>
                 </a:solidFill>
               </a:rPr>
-              <a:t>파일을 </a:t>
-            </a:r>
-            <a:r>
-              <a:rPr lang="ko-KR" altLang="en-US" dirty="0" err="1" smtClean="0">
-                <a:solidFill>
-                  <a:schemeClr val="tx1"/>
-                </a:solidFill>
-              </a:rPr>
-              <a:t>로드하여</a:t>
-            </a:r>
-            <a:r>
-              <a:rPr lang="ko-KR" altLang="en-US" dirty="0" smtClean="0">
-                <a:solidFill>
-                  <a:schemeClr val="tx1"/>
-                </a:solidFill>
-              </a:rPr>
-              <a:t> </a:t>
-            </a:r>
-            <a:r>
-              <a:rPr lang="ko-KR" altLang="en-US" dirty="0" err="1" smtClean="0">
-                <a:solidFill>
-                  <a:schemeClr val="tx1"/>
-                </a:solidFill>
-              </a:rPr>
-              <a:t>파싱</a:t>
-            </a:r>
-            <a:r>
-              <a:rPr lang="ko-KR" altLang="en-US" dirty="0" smtClean="0">
-                <a:solidFill>
-                  <a:schemeClr val="tx1"/>
-                </a:solidFill>
-              </a:rPr>
-              <a:t> 및 학습</a:t>
+              <a:t>파일을 로드하여 파싱 및 학습</a:t>
             </a:r>
             <a:r>
               <a:rPr lang="en-US" altLang="ko-KR" dirty="0" smtClean="0">
@@ -10622,15 +10535,7 @@
                   <a:schemeClr val="tx1"/>
                 </a:solidFill>
               </a:rPr>
-              <a:t>여기서는 </a:t>
-            </a:r>
-            <a:r>
-              <a:rPr lang="ko-KR" altLang="en-US" sz="1600" dirty="0" err="1" smtClean="0">
-                <a:solidFill>
-                  <a:schemeClr val="tx1"/>
-                </a:solidFill>
-              </a:rPr>
-              <a:t>구분없이</a:t>
+              <a:t>여기서는 구분없이</a:t>
             </a:r>
             <a:r>
               <a:rPr lang="en-US" altLang="ko-KR" sz="1600" dirty="0">
@@ -10701,20 +10606,12 @@
               <a:buChar char="•"/>
             </a:pPr>
             <a:r>
-              <a:rPr lang="ko-KR" altLang="en-US" dirty="0" err="1" smtClean="0">
-                <a:solidFill>
-                  <a:schemeClr val="tx1"/>
-                </a:solidFill>
-              </a:rPr>
-              <a:t>파싱</a:t>
-            </a:r>
-            <a:r>
               <a:rPr lang="ko-KR" altLang="en-US" dirty="0" smtClean="0">
                 <a:solidFill>
                   <a:schemeClr val="tx1"/>
                 </a:solidFill>
               </a:rPr>
-              <a:t> 및 학습</a:t>
+              <a:t>파싱 및 학습</a:t>
             </a:r>
             <a:r>
               <a:rPr lang="en-US" altLang="ko-KR" dirty="0">
@@ -10841,20 +10738,12 @@
               <a:t>학습한 내용도 </a:t>
             </a:r>
             <a:r>
-              <a:rPr lang="en-US" altLang="ko-KR" dirty="0" err="1" smtClean="0">
-                <a:solidFill>
-                  <a:schemeClr val="tx1"/>
-                </a:solidFill>
-              </a:rPr>
-              <a:t>dict</a:t>
-            </a:r>
-            <a:r>
               <a:rPr lang="en-US" altLang="ko-KR" dirty="0" smtClean="0">
                 <a:solidFill>
                   <a:schemeClr val="tx1"/>
                 </a:solidFill>
               </a:rPr>
-              <a:t> type</a:t>
+              <a:t>dict type</a:t>
             </a:r>
             <a:r>
               <a:rPr lang="ko-KR" altLang="en-US" dirty="0" smtClean="0">
@@ -10873,20 +10762,12 @@
               <a:t>(</a:t>
             </a:r>
             <a:r>
-              <a:rPr lang="ko-KR" altLang="en-US" dirty="0" err="1" smtClean="0">
-                <a:solidFill>
-                  <a:schemeClr val="tx1"/>
-                </a:solidFill>
-              </a:rPr>
-              <a:t>확장자는</a:t>
-            </a:r>
-            <a:r>
               <a:rPr lang="ko-KR" altLang="en-US" dirty="0" smtClean="0">
                 <a:solidFill>
                   <a:schemeClr val="tx1"/>
                 </a:solidFill>
               </a:rPr>
-              <a:t> </a:t>
+              <a:t>확장자는 </a:t>
             </a:r>
             <a:r>
               <a:rPr lang="en-US" altLang="ko-KR" dirty="0" smtClean="0">
@@ -10895,14 +10776,6 @@
                 </a:solidFill>
               </a:rPr>
               <a:t>.model)</a:t>
-            </a:r>
-            <a:r>
-              <a:rPr lang="en-US" altLang="ko-KR" dirty="0" smtClean="0">
-                <a:solidFill>
-                  <a:schemeClr val="tx1"/>
-                </a:solidFill>
-              </a:rPr>
-              <a:t/>
             </a:r>
             <a:br>
               <a:rPr lang="en-US" altLang="ko-KR" dirty="0" smtClean="0">
@@ -10936,7 +10809,7 @@
               <a:t>(</a:t>
             </a:r>
             <a:r>
-              <a:rPr lang="ko-KR" altLang="en-US" sz="1600" dirty="0" err="1" smtClean="0">
+              <a:rPr lang="ko-KR" altLang="en-US" sz="1600" dirty="0" smtClean="0">
                 <a:solidFill>
                   <a:schemeClr val="tx1"/>
                 </a:solidFill>
@@ -11017,12 +10890,8 @@
               <a:t>. </a:t>
             </a:r>
             <a:r>
-              <a:rPr lang="ko-KR" altLang="en-US" sz="1400" dirty="0" err="1" smtClean="0"/>
-              <a:t>확률값으로</a:t>
-            </a:r>
-            <a:r>
               <a:rPr lang="ko-KR" altLang="en-US" sz="1400" dirty="0" smtClean="0"/>
-              <a:t> 뒤에 올 수 있는 단어 선택</a:t>
+              <a:t>확률값으로 뒤에 올 수 있는 단어 선택</a:t>
             </a:r>
             <a:r>
               <a:rPr lang="en-US" altLang="ko-KR" sz="1400" dirty="0" smtClean="0"/>
@@ -11122,7 +10991,7 @@
           <a:p>
             <a:pPr algn="ctr"/>
             <a:r>
-              <a:rPr lang="ko-KR" altLang="en-US" sz="1400" smtClean="0">
+              <a:rPr lang="ko-KR" altLang="en-US" sz="1400" dirty="0" smtClean="0">
                 <a:solidFill>
                   <a:schemeClr val="tx1"/>
                 </a:solidFill>
@@ -12289,7 +12158,7 @@
           <a:lstStyle/>
           <a:p>
             <a:pPr algn="ctr"/>
-            <a:endParaRPr lang="ko-KR" altLang="en-US"/>
+            <a:endParaRPr lang="ko-KR" altLang="en-US" dirty="0"/>
           </a:p>
         </p:txBody>
       </p:sp>
@@ -12335,7 +12204,7 @@
           <a:lstStyle/>
           <a:p>
             <a:pPr algn="ctr"/>
-            <a:endParaRPr lang="ko-KR" altLang="en-US"/>
+            <a:endParaRPr lang="ko-KR" altLang="en-US" dirty="0"/>
           </a:p>
         </p:txBody>
       </p:sp>
@@ -12474,7 +12343,7 @@
               <a:buChar char="•"/>
             </a:pPr>
             <a:r>
-              <a:rPr lang="ko-KR" altLang="en-US" dirty="0" err="1" smtClean="0">
+              <a:rPr lang="ko-KR" altLang="en-US" dirty="0" smtClean="0">
                 <a:solidFill>
                   <a:schemeClr val="tx1"/>
                 </a:solidFill>
@@ -12759,20 +12628,12 @@
               <a:t>+ END_OF_SENTS </a:t>
             </a:r>
             <a:r>
-              <a:rPr lang="ko-KR" altLang="en-US" dirty="0" err="1" smtClean="0">
-                <a:solidFill>
-                  <a:schemeClr val="tx1"/>
-                </a:solidFill>
-              </a:rPr>
-              <a:t>도달시까지</a:t>
-            </a:r>
-            <a:r>
               <a:rPr lang="ko-KR" altLang="en-US" dirty="0" smtClean="0">
                 <a:solidFill>
                   <a:schemeClr val="tx1"/>
                 </a:solidFill>
               </a:rPr>
-              <a:t> 문장 생성</a:t>
+              <a:t>도달시까지 문장 생성</a:t>
             </a:r>
             <a:r>
               <a:rPr lang="en-US" altLang="ko-KR" dirty="0">
@@ -12878,7 +12739,7 @@
               <a:t>', '</a:t>
             </a:r>
             <a:r>
-              <a:rPr lang="ko-KR" altLang="en-US" sz="1600" dirty="0" err="1">
+              <a:rPr lang="ko-KR" altLang="en-US" sz="1600" dirty="0">
                 <a:solidFill>
                   <a:schemeClr val="tx1"/>
                 </a:solidFill>
@@ -12910,7 +12771,7 @@
               <a:t>', '</a:t>
             </a:r>
             <a:r>
-              <a:rPr lang="ko-KR" altLang="en-US" sz="1600" dirty="0" err="1">
+              <a:rPr lang="ko-KR" altLang="en-US" sz="1600" dirty="0">
                 <a:solidFill>
                   <a:schemeClr val="tx1"/>
                 </a:solidFill>
@@ -12981,20 +12842,12 @@
               <a:t>/</a:t>
             </a:r>
             <a:r>
-              <a:rPr lang="ko-KR" altLang="en-US" sz="1600" dirty="0" err="1" smtClean="0">
-                <a:solidFill>
-                  <a:schemeClr val="tx1"/>
-                </a:solidFill>
-              </a:rPr>
-              <a:t>블로그에는</a:t>
-            </a:r>
-            <a:r>
               <a:rPr lang="ko-KR" altLang="en-US" sz="1600" dirty="0" smtClean="0">
                 <a:solidFill>
                   <a:schemeClr val="tx1"/>
                 </a:solidFill>
               </a:rPr>
-              <a:t> 비문 표현이 많아서 이에 대한 대응 필요</a:t>
+              <a:t>블로그에는 비문 표현이 많아서 이에 대한 대응 필요</a:t>
             </a:r>
             <a:endParaRPr lang="en-US" altLang="ko-KR" sz="1600" dirty="0" smtClean="0">
               <a:solidFill>
@@ -13644,7 +13497,7 @@
           <a:lstStyle/>
           <a:p>
             <a:pPr algn="ctr"/>
-            <a:endParaRPr lang="ko-KR" altLang="en-US"/>
+            <a:endParaRPr lang="ko-KR" altLang="en-US" dirty="0"/>
           </a:p>
         </p:txBody>
       </p:sp>
@@ -13750,7 +13603,7 @@
           <a:lstStyle/>
           <a:p>
             <a:pPr algn="ctr"/>
-            <a:endParaRPr lang="ko-KR" altLang="en-US">
+            <a:endParaRPr lang="ko-KR" altLang="en-US" dirty="0">
               <a:solidFill>
                 <a:schemeClr val="tx1"/>
               </a:solidFill>
@@ -13823,7 +13676,7 @@
           <a:lstStyle/>
           <a:p>
             <a:pPr algn="ctr"/>
-            <a:endParaRPr lang="ko-KR" altLang="en-US"/>
+            <a:endParaRPr lang="ko-KR" altLang="en-US" dirty="0"/>
           </a:p>
         </p:txBody>
       </p:sp>
@@ -14095,7 +13948,7 @@
           <a:lstStyle/>
           <a:p>
             <a:pPr algn="ctr"/>
-            <a:endParaRPr lang="ko-KR" altLang="en-US"/>
+            <a:endParaRPr lang="ko-KR" altLang="en-US" dirty="0"/>
           </a:p>
         </p:txBody>
       </p:sp>
@@ -14164,7 +14017,7 @@
           <a:lstStyle/>
           <a:p>
             <a:pPr algn="ctr"/>
-            <a:endParaRPr lang="ko-KR" altLang="en-US"/>
+            <a:endParaRPr lang="ko-KR" altLang="en-US" dirty="0"/>
           </a:p>
         </p:txBody>
       </p:sp>
@@ -14436,7 +14289,7 @@
           <a:lstStyle/>
           <a:p>
             <a:pPr algn="ctr"/>
-            <a:endParaRPr lang="ko-KR" altLang="en-US"/>
+            <a:endParaRPr lang="ko-KR" altLang="en-US" dirty="0"/>
           </a:p>
         </p:txBody>
       </p:sp>
@@ -14505,7 +14358,7 @@
           <a:lstStyle/>
           <a:p>
             <a:pPr algn="ctr"/>
-            <a:endParaRPr lang="ko-KR" altLang="en-US"/>
+            <a:endParaRPr lang="ko-KR" altLang="en-US" dirty="0"/>
           </a:p>
         </p:txBody>
       </p:sp>
@@ -14734,23 +14587,7 @@
                   <a:schemeClr val="tx1"/>
                 </a:solidFill>
               </a:rPr>
-              <a:t>- </a:t>
-            </a:r>
-            <a:r>
-              <a:rPr lang="en-US" altLang="ko-KR" sz="1600" dirty="0" err="1" smtClean="0">
-                <a:solidFill>
-                  <a:schemeClr val="tx1"/>
-                </a:solidFill>
-              </a:rPr>
-              <a:t>config.json</a:t>
-            </a:r>
-            <a:r>
-              <a:rPr lang="en-US" altLang="ko-KR" sz="1600" dirty="0" smtClean="0">
-                <a:solidFill>
-                  <a:schemeClr val="tx1"/>
-                </a:solidFill>
-              </a:rPr>
-              <a:t> </a:t>
+              <a:t>- config.json </a:t>
             </a:r>
             <a:r>
               <a:rPr lang="ko-KR" altLang="en-US" sz="1600" dirty="0" smtClean="0">
@@ -14972,7 +14809,7 @@
           <a:lstStyle/>
           <a:p>
             <a:r>
-              <a:rPr lang="en-US" altLang="ko-KR" sz="3000" spc="-67" dirty="0" smtClean="0">
+              <a:rPr lang="ko-KR" altLang="en-US" sz="3000" spc="-67" dirty="0" smtClean="0">
                 <a:solidFill>
                   <a:schemeClr val="accent6">
                     <a:lumMod val="75000"/>
@@ -14980,7 +14817,7 @@
                 </a:solidFill>
                 <a:latin typeface="+mn-ea"/>
               </a:rPr>
-              <a:t>Prerequisites</a:t>
+              <a:t>실행순서</a:t>
             </a:r>
             <a:endParaRPr lang="ko-KR" altLang="en-US" sz="3000" spc="-67" dirty="0">
               <a:solidFill>
@@ -14995,25 +14832,18 @@
       </p:sp>
       <p:sp>
         <p:nvSpPr>
-          <p:cNvPr id="16" name="직사각형 15"/>
+          <p:cNvPr id="4" name="직사각형 3"/>
           <p:cNvSpPr/>
           <p:nvPr/>
         </p:nvSpPr>
         <p:spPr>
           <a:xfrm>
-            <a:off x="3414357" y="1872068"/>
-            <a:ext cx="5052310" cy="2581399"/>
+            <a:off x="894230" y="1408785"/>
+            <a:ext cx="5022476" cy="572415"/>
           </a:xfrm>
           <a:prstGeom prst="rect">
             <a:avLst/>
           </a:prstGeom>
-          <a:solidFill>
-            <a:schemeClr val="bg1"/>
-          </a:solidFill>
-          <a:ln>
-            <a:noFill/>
-          </a:ln>
-          <a:effectLst/>
         </p:spPr>
         <p:style>
           <a:lnRef idx="2">
@@ -15032,83 +14862,150 @@
           </a:fontRef>
         </p:style>
         <p:txBody>
-          <a:bodyPr rtlCol="0" anchor="t" anchorCtr="0"/>
+          <a:bodyPr rtlCol="0" anchor="ctr"/>
           <a:lstStyle/>
           <a:p>
-            <a:pPr marL="285750" indent="-192088">
-              <a:lnSpc>
-                <a:spcPct val="150000"/>
-              </a:lnSpc>
-              <a:buFont typeface="Arial" panose="020B0604020202020204" pitchFamily="34" charset="0"/>
-              <a:buChar char="•"/>
-            </a:pPr>
-            <a:r>
-              <a:rPr lang="en-US" altLang="ko-KR" sz="2000" dirty="0" smtClean="0">
-                <a:solidFill>
-                  <a:schemeClr val="tx1"/>
-                </a:solidFill>
-              </a:rPr>
-              <a:t>flask</a:t>
-            </a:r>
-          </a:p>
-          <a:p>
-            <a:pPr marL="285750" indent="-192088">
-              <a:lnSpc>
-                <a:spcPct val="150000"/>
-              </a:lnSpc>
-              <a:buFont typeface="Arial" panose="020B0604020202020204" pitchFamily="34" charset="0"/>
-              <a:buChar char="•"/>
-            </a:pPr>
-            <a:r>
-              <a:rPr lang="en-US" altLang="ko-KR" sz="2000" dirty="0" smtClean="0">
-                <a:solidFill>
-                  <a:schemeClr val="tx1"/>
-                </a:solidFill>
-              </a:rPr>
-              <a:t>requests, bs4</a:t>
-            </a:r>
-          </a:p>
-          <a:p>
-            <a:pPr marL="285750" indent="-192088">
-              <a:lnSpc>
-                <a:spcPct val="150000"/>
-              </a:lnSpc>
-              <a:buFont typeface="Arial" panose="020B0604020202020204" pitchFamily="34" charset="0"/>
-              <a:buChar char="•"/>
-            </a:pPr>
-            <a:r>
-              <a:rPr lang="en-US" altLang="ko-KR" sz="2000" dirty="0" smtClean="0">
-                <a:solidFill>
-                  <a:schemeClr val="tx1"/>
-                </a:solidFill>
-              </a:rPr>
-              <a:t>random</a:t>
-            </a:r>
-          </a:p>
-          <a:p>
-            <a:pPr marL="285750" indent="-192088">
-              <a:lnSpc>
-                <a:spcPct val="150000"/>
-              </a:lnSpc>
-              <a:buFont typeface="Arial" panose="020B0604020202020204" pitchFamily="34" charset="0"/>
-              <a:buChar char="•"/>
-            </a:pPr>
-            <a:r>
-              <a:rPr lang="en-US" altLang="ko-KR" sz="2000" dirty="0" err="1" smtClean="0">
-                <a:solidFill>
-                  <a:schemeClr val="tx1"/>
-                </a:solidFill>
-              </a:rPr>
-              <a:t>ThreadPool</a:t>
-            </a:r>
-            <a:endParaRPr lang="en-US" altLang="ko-KR" sz="2000" dirty="0" smtClean="0">
-              <a:solidFill>
-                <a:schemeClr val="tx1"/>
-              </a:solidFill>
-            </a:endParaRPr>
-          </a:p>
-        </p:txBody>
-      </p:sp>
+            <a:pPr algn="ctr"/>
+            <a:r>
+              <a:rPr lang="en-US" altLang="ko-KR" sz="2000" dirty="0" smtClean="0"/>
+              <a:t>1. python webserver.py</a:t>
+            </a:r>
+            <a:endParaRPr lang="ko-KR" altLang="en-US" sz="2000" dirty="0"/>
+          </a:p>
+        </p:txBody>
+      </p:sp>
+      <p:sp>
+        <p:nvSpPr>
+          <p:cNvPr id="5" name="직사각형 4"/>
+          <p:cNvSpPr/>
+          <p:nvPr/>
+        </p:nvSpPr>
+        <p:spPr>
+          <a:xfrm>
+            <a:off x="6398559" y="1408785"/>
+            <a:ext cx="5022476" cy="572415"/>
+          </a:xfrm>
+          <a:prstGeom prst="rect">
+            <a:avLst/>
+          </a:prstGeom>
+        </p:spPr>
+        <p:style>
+          <a:lnRef idx="2">
+            <a:schemeClr val="accent1">
+              <a:shade val="50000"/>
+            </a:schemeClr>
+          </a:lnRef>
+          <a:fillRef idx="1">
+            <a:schemeClr val="accent1"/>
+          </a:fillRef>
+          <a:effectRef idx="0">
+            <a:schemeClr val="accent1"/>
+          </a:effectRef>
+          <a:fontRef idx="minor">
+            <a:schemeClr val="lt1"/>
+          </a:fontRef>
+        </p:style>
+        <p:txBody>
+          <a:bodyPr rtlCol="0" anchor="ctr"/>
+          <a:lstStyle/>
+          <a:p>
+            <a:pPr algn="ctr"/>
+            <a:r>
+              <a:rPr lang="en-US" altLang="ko-KR" sz="2000" dirty="0" smtClean="0"/>
+              <a:t>2. http://127.0.0.1:5001/ </a:t>
+            </a:r>
+            <a:r>
+              <a:rPr lang="ko-KR" altLang="en-US" sz="2000" dirty="0" smtClean="0"/>
+              <a:t>접속</a:t>
+            </a:r>
+            <a:endParaRPr lang="ko-KR" altLang="en-US" sz="2000" dirty="0"/>
+          </a:p>
+        </p:txBody>
+      </p:sp>
+      <p:cxnSp>
+        <p:nvCxnSpPr>
+          <p:cNvPr id="8" name="직선 화살표 연결선 7"/>
+          <p:cNvCxnSpPr>
+            <a:stCxn id="4" idx="3"/>
+            <a:endCxn id="5" idx="1"/>
+          </p:cNvCxnSpPr>
+          <p:nvPr/>
+        </p:nvCxnSpPr>
+        <p:spPr>
+          <a:xfrm>
+            <a:off x="5916706" y="1694993"/>
+            <a:ext cx="481853" cy="0"/>
+          </a:xfrm>
+          <a:prstGeom prst="straightConnector1">
+            <a:avLst/>
+          </a:prstGeom>
+          <a:ln>
+            <a:tailEnd type="triangle"/>
+          </a:ln>
+        </p:spPr>
+        <p:style>
+          <a:lnRef idx="1">
+            <a:schemeClr val="accent1"/>
+          </a:lnRef>
+          <a:fillRef idx="0">
+            <a:schemeClr val="accent1"/>
+          </a:fillRef>
+          <a:effectRef idx="0">
+            <a:schemeClr val="accent1"/>
+          </a:effectRef>
+          <a:fontRef idx="minor">
+            <a:schemeClr val="tx1"/>
+          </a:fontRef>
+        </p:style>
+      </p:cxnSp>
+      <p:pic>
+        <p:nvPicPr>
+          <p:cNvPr id="19" name="그림 18"/>
+          <p:cNvPicPr>
+            <a:picLocks noChangeAspect="1"/>
+          </p:cNvPicPr>
+          <p:nvPr/>
+        </p:nvPicPr>
+        <p:blipFill>
+          <a:blip r:embed="rId3"/>
+          <a:stretch>
+            <a:fillRect/>
+          </a:stretch>
+        </p:blipFill>
+        <p:spPr>
+          <a:xfrm>
+            <a:off x="894230" y="2361359"/>
+            <a:ext cx="4992836" cy="1592076"/>
+          </a:xfrm>
+          <a:prstGeom prst="rect">
+            <a:avLst/>
+          </a:prstGeom>
+        </p:spPr>
+      </p:pic>
+      <p:pic>
+        <p:nvPicPr>
+          <p:cNvPr id="20" name="그림 19"/>
+          <p:cNvPicPr>
+            <a:picLocks noChangeAspect="1"/>
+          </p:cNvPicPr>
+          <p:nvPr/>
+        </p:nvPicPr>
+        <p:blipFill>
+          <a:blip r:embed="rId4"/>
+          <a:stretch>
+            <a:fillRect/>
+          </a:stretch>
+        </p:blipFill>
+        <p:spPr>
+          <a:xfrm>
+            <a:off x="6398558" y="2146865"/>
+            <a:ext cx="5023977" cy="4137393"/>
+          </a:xfrm>
+          <a:prstGeom prst="rect">
+            <a:avLst/>
+          </a:prstGeom>
+        </p:spPr>
+      </p:pic>
     </p:spTree>
     <p:extLst>
       <p:ext uri="{BB962C8B-B14F-4D97-AF65-F5344CB8AC3E}">
